--- a/presentation material/week3_hurricane.pptx
+++ b/presentation material/week3_hurricane.pptx
@@ -15,7 +15,11 @@
     <p:sldId id="265" r:id="rId9"/>
     <p:sldId id="266" r:id="rId10"/>
     <p:sldId id="262" r:id="rId11"/>
-    <p:sldId id="267" r:id="rId12"/>
+    <p:sldId id="260" r:id="rId12"/>
+    <p:sldId id="268" r:id="rId13"/>
+    <p:sldId id="269" r:id="rId14"/>
+    <p:sldId id="270" r:id="rId15"/>
+    <p:sldId id="267" r:id="rId16"/>
   </p:sldIdLst>
   <p:sldSz cx="12192000" cy="6858000"/>
   <p:notesSz cx="6858000" cy="9144000"/>
@@ -4214,6 +4218,465 @@
       </p:grpSpPr>
       <p:sp>
         <p:nvSpPr>
+          <p:cNvPr id="9" name="TextBox 8">
+            <a:extLst>
+              <a:ext uri="{FF2B5EF4-FFF2-40B4-BE49-F238E27FC236}">
+                <a16:creationId xmlns:a16="http://schemas.microsoft.com/office/drawing/2014/main" id="{CD6E6E5A-385A-4F16-998C-7887AAED4391}"/>
+              </a:ext>
+            </a:extLst>
+          </p:cNvPr>
+          <p:cNvSpPr txBox="1"/>
+          <p:nvPr/>
+        </p:nvSpPr>
+        <p:spPr>
+          <a:xfrm>
+            <a:off x="1647825" y="4191000"/>
+            <a:ext cx="4686300" cy="1754326"/>
+          </a:xfrm>
+          <a:prstGeom prst="rect">
+            <a:avLst/>
+          </a:prstGeom>
+          <a:noFill/>
+        </p:spPr>
+        <p:txBody>
+          <a:bodyPr wrap="square" rtlCol="0">
+            <a:spAutoFit/>
+          </a:bodyPr>
+          <a:lstStyle/>
+          <a:p>
+            <a:r>
+              <a:rPr lang="en-US" dirty="0"/>
+              <a:t>Top 5 variables:</a:t>
+            </a:r>
+          </a:p>
+          <a:p>
+            <a:pPr marL="342900" indent="-342900">
+              <a:buAutoNum type="arabicPeriod"/>
+            </a:pPr>
+            <a:r>
+              <a:rPr lang="en-US" dirty="0"/>
+              <a:t>LAT</a:t>
+            </a:r>
+          </a:p>
+          <a:p>
+            <a:pPr marL="342900" indent="-342900">
+              <a:buAutoNum type="arabicPeriod"/>
+            </a:pPr>
+            <a:r>
+              <a:rPr lang="en-US" dirty="0"/>
+              <a:t> POT</a:t>
+            </a:r>
+          </a:p>
+          <a:p>
+            <a:pPr marL="342900" indent="-342900">
+              <a:buAutoNum type="arabicPeriod"/>
+            </a:pPr>
+            <a:r>
+              <a:rPr lang="en-US" dirty="0"/>
+              <a:t>PER</a:t>
+            </a:r>
+          </a:p>
+          <a:p>
+            <a:pPr marL="342900" indent="-342900">
+              <a:buAutoNum type="arabicPeriod"/>
+            </a:pPr>
+            <a:r>
+              <a:rPr lang="en-US" dirty="0"/>
+              <a:t>YEAR</a:t>
+            </a:r>
+          </a:p>
+          <a:p>
+            <a:pPr marL="342900" indent="-342900">
+              <a:buAutoNum type="arabicPeriod"/>
+            </a:pPr>
+            <a:r>
+              <a:rPr lang="en-US" dirty="0"/>
+              <a:t>MSLP</a:t>
+            </a:r>
+          </a:p>
+        </p:txBody>
+      </p:sp>
+      <p:pic>
+        <p:nvPicPr>
+          <p:cNvPr id="13" name="Picture 12">
+            <a:extLst>
+              <a:ext uri="{FF2B5EF4-FFF2-40B4-BE49-F238E27FC236}">
+                <a16:creationId xmlns:a16="http://schemas.microsoft.com/office/drawing/2014/main" id="{7D9B157E-F135-4FCA-A146-7DA6533C8387}"/>
+              </a:ext>
+            </a:extLst>
+          </p:cNvPr>
+          <p:cNvPicPr>
+            <a:picLocks noChangeAspect="1"/>
+          </p:cNvPicPr>
+          <p:nvPr/>
+        </p:nvPicPr>
+        <p:blipFill>
+          <a:blip r:embed="rId2"/>
+          <a:stretch>
+            <a:fillRect/>
+          </a:stretch>
+        </p:blipFill>
+        <p:spPr>
+          <a:xfrm>
+            <a:off x="919162" y="690562"/>
+            <a:ext cx="8810625" cy="3000375"/>
+          </a:xfrm>
+          <a:prstGeom prst="rect">
+            <a:avLst/>
+          </a:prstGeom>
+        </p:spPr>
+      </p:pic>
+    </p:spTree>
+    <p:extLst>
+      <p:ext uri="{BB962C8B-B14F-4D97-AF65-F5344CB8AC3E}">
+        <p14:creationId xmlns:p14="http://schemas.microsoft.com/office/powerpoint/2010/main" val="3000371790"/>
+      </p:ext>
+    </p:extLst>
+  </p:cSld>
+  <p:clrMapOvr>
+    <a:masterClrMapping/>
+  </p:clrMapOvr>
+</p:sld>
+</file>
+
+<file path=ppt/slides/slide12.xml><?xml version="1.0" encoding="utf-8"?>
+<p:sld xmlns:a="http://schemas.openxmlformats.org/drawingml/2006/main" xmlns:r="http://schemas.openxmlformats.org/officeDocument/2006/relationships" xmlns:p="http://schemas.openxmlformats.org/presentationml/2006/main">
+  <p:cSld>
+    <p:spTree>
+      <p:nvGrpSpPr>
+        <p:cNvPr id="1" name=""/>
+        <p:cNvGrpSpPr/>
+        <p:nvPr/>
+      </p:nvGrpSpPr>
+      <p:grpSpPr>
+        <a:xfrm>
+          <a:off x="0" y="0"/>
+          <a:ext cx="0" cy="0"/>
+          <a:chOff x="0" y="0"/>
+          <a:chExt cx="0" cy="0"/>
+        </a:xfrm>
+      </p:grpSpPr>
+      <p:pic>
+        <p:nvPicPr>
+          <p:cNvPr id="5" name="Picture 4">
+            <a:extLst>
+              <a:ext uri="{FF2B5EF4-FFF2-40B4-BE49-F238E27FC236}">
+                <a16:creationId xmlns:a16="http://schemas.microsoft.com/office/drawing/2014/main" id="{1894CB51-2DB5-4235-8F06-C10B8C779F6C}"/>
+              </a:ext>
+            </a:extLst>
+          </p:cNvPr>
+          <p:cNvPicPr>
+            <a:picLocks noChangeAspect="1"/>
+          </p:cNvPicPr>
+          <p:nvPr/>
+        </p:nvPicPr>
+        <p:blipFill>
+          <a:blip r:embed="rId2"/>
+          <a:stretch>
+            <a:fillRect/>
+          </a:stretch>
+        </p:blipFill>
+        <p:spPr>
+          <a:xfrm>
+            <a:off x="552450" y="1095375"/>
+            <a:ext cx="10668000" cy="1491226"/>
+          </a:xfrm>
+          <a:prstGeom prst="rect">
+            <a:avLst/>
+          </a:prstGeom>
+        </p:spPr>
+      </p:pic>
+    </p:spTree>
+    <p:extLst>
+      <p:ext uri="{BB962C8B-B14F-4D97-AF65-F5344CB8AC3E}">
+        <p14:creationId xmlns:p14="http://schemas.microsoft.com/office/powerpoint/2010/main" val="3207677069"/>
+      </p:ext>
+    </p:extLst>
+  </p:cSld>
+  <p:clrMapOvr>
+    <a:masterClrMapping/>
+  </p:clrMapOvr>
+</p:sld>
+</file>
+
+<file path=ppt/slides/slide13.xml><?xml version="1.0" encoding="utf-8"?>
+<p:sld xmlns:a="http://schemas.openxmlformats.org/drawingml/2006/main" xmlns:r="http://schemas.openxmlformats.org/officeDocument/2006/relationships" xmlns:p="http://schemas.openxmlformats.org/presentationml/2006/main">
+  <p:cSld>
+    <p:spTree>
+      <p:nvGrpSpPr>
+        <p:cNvPr id="1" name=""/>
+        <p:cNvGrpSpPr/>
+        <p:nvPr/>
+      </p:nvGrpSpPr>
+      <p:grpSpPr>
+        <a:xfrm>
+          <a:off x="0" y="0"/>
+          <a:ext cx="0" cy="0"/>
+          <a:chOff x="0" y="0"/>
+          <a:chExt cx="0" cy="0"/>
+        </a:xfrm>
+      </p:grpSpPr>
+      <p:pic>
+        <p:nvPicPr>
+          <p:cNvPr id="7" name="Picture 6">
+            <a:extLst>
+              <a:ext uri="{FF2B5EF4-FFF2-40B4-BE49-F238E27FC236}">
+                <a16:creationId xmlns:a16="http://schemas.microsoft.com/office/drawing/2014/main" id="{2B7E5D08-1D81-4836-B15F-5C911A1A9C29}"/>
+              </a:ext>
+            </a:extLst>
+          </p:cNvPr>
+          <p:cNvPicPr>
+            <a:picLocks noChangeAspect="1"/>
+          </p:cNvPicPr>
+          <p:nvPr/>
+        </p:nvPicPr>
+        <p:blipFill>
+          <a:blip r:embed="rId2"/>
+          <a:stretch>
+            <a:fillRect/>
+          </a:stretch>
+        </p:blipFill>
+        <p:spPr>
+          <a:xfrm>
+            <a:off x="0" y="425640"/>
+            <a:ext cx="12192000" cy="5149470"/>
+          </a:xfrm>
+          <a:prstGeom prst="rect">
+            <a:avLst/>
+          </a:prstGeom>
+        </p:spPr>
+      </p:pic>
+    </p:spTree>
+    <p:extLst>
+      <p:ext uri="{BB962C8B-B14F-4D97-AF65-F5344CB8AC3E}">
+        <p14:creationId xmlns:p14="http://schemas.microsoft.com/office/powerpoint/2010/main" val="2125690785"/>
+      </p:ext>
+    </p:extLst>
+  </p:cSld>
+  <p:clrMapOvr>
+    <a:masterClrMapping/>
+  </p:clrMapOvr>
+</p:sld>
+</file>
+
+<file path=ppt/slides/slide14.xml><?xml version="1.0" encoding="utf-8"?>
+<p:sld xmlns:a="http://schemas.openxmlformats.org/drawingml/2006/main" xmlns:r="http://schemas.openxmlformats.org/officeDocument/2006/relationships" xmlns:p="http://schemas.openxmlformats.org/presentationml/2006/main">
+  <p:cSld>
+    <p:spTree>
+      <p:nvGrpSpPr>
+        <p:cNvPr id="1" name=""/>
+        <p:cNvGrpSpPr/>
+        <p:nvPr/>
+      </p:nvGrpSpPr>
+      <p:grpSpPr>
+        <a:xfrm>
+          <a:off x="0" y="0"/>
+          <a:ext cx="0" cy="0"/>
+          <a:chOff x="0" y="0"/>
+          <a:chExt cx="0" cy="0"/>
+        </a:xfrm>
+      </p:grpSpPr>
+      <p:sp>
+        <p:nvSpPr>
+          <p:cNvPr id="2" name="Title 1">
+            <a:extLst>
+              <a:ext uri="{FF2B5EF4-FFF2-40B4-BE49-F238E27FC236}">
+                <a16:creationId xmlns:a16="http://schemas.microsoft.com/office/drawing/2014/main" id="{D6C5421D-C069-411D-8D71-3316B32DB442}"/>
+              </a:ext>
+            </a:extLst>
+          </p:cNvPr>
+          <p:cNvSpPr>
+            <a:spLocks noGrp="1"/>
+          </p:cNvSpPr>
+          <p:nvPr>
+            <p:ph type="title"/>
+          </p:nvPr>
+        </p:nvSpPr>
+        <p:spPr/>
+        <p:txBody>
+          <a:bodyPr/>
+          <a:lstStyle/>
+          <a:p>
+            <a:r>
+              <a:rPr lang="en-US" dirty="0"/>
+              <a:t>Possible Features to Add</a:t>
+            </a:r>
+          </a:p>
+        </p:txBody>
+      </p:sp>
+      <p:sp>
+        <p:nvSpPr>
+          <p:cNvPr id="3" name="Content Placeholder 2">
+            <a:extLst>
+              <a:ext uri="{FF2B5EF4-FFF2-40B4-BE49-F238E27FC236}">
+                <a16:creationId xmlns:a16="http://schemas.microsoft.com/office/drawing/2014/main" id="{C4A64CCD-9E30-4847-8C9F-7618C2844C65}"/>
+              </a:ext>
+            </a:extLst>
+          </p:cNvPr>
+          <p:cNvSpPr>
+            <a:spLocks noGrp="1"/>
+          </p:cNvSpPr>
+          <p:nvPr>
+            <p:ph idx="1"/>
+          </p:nvPr>
+        </p:nvSpPr>
+        <p:spPr/>
+        <p:txBody>
+          <a:bodyPr>
+            <a:normAutofit fontScale="70000" lnSpcReduction="20000"/>
+          </a:bodyPr>
+          <a:lstStyle/>
+          <a:p>
+            <a:r>
+              <a:rPr lang="en-US" dirty="0"/>
+              <a:t> Predicting </a:t>
+            </a:r>
+            <a:r>
+              <a:rPr lang="en-US" dirty="0" err="1"/>
+              <a:t>Ecoomic</a:t>
+            </a:r>
+            <a:r>
+              <a:rPr lang="en-US" dirty="0"/>
+              <a:t> Loss</a:t>
+            </a:r>
+          </a:p>
+          <a:p>
+            <a:pPr marL="914400" lvl="1" indent="-457200">
+              <a:buFont typeface="+mj-lt"/>
+              <a:buAutoNum type="arabicPeriod"/>
+            </a:pPr>
+            <a:r>
+              <a:rPr lang="en-US" dirty="0"/>
+              <a:t>GDP - Federal Reserve uses real GDP and other related economic indicators to adjust monetary policy. </a:t>
+            </a:r>
+          </a:p>
+          <a:p>
+            <a:pPr marL="914400" lvl="1" indent="-457200">
+              <a:buFont typeface="+mj-lt"/>
+              <a:buAutoNum type="arabicPeriod"/>
+            </a:pPr>
+            <a:r>
+              <a:rPr lang="en-US" dirty="0"/>
+              <a:t> Money Supply -  Economists and others also use M2 data to predict cyclical economic recessions and recoveries and expected changes in stock prices and also expected changes in the Fed's monetary policy. </a:t>
+            </a:r>
+          </a:p>
+          <a:p>
+            <a:pPr marL="914400" lvl="1" indent="-457200">
+              <a:buFont typeface="+mj-lt"/>
+              <a:buAutoNum type="arabicPeriod"/>
+            </a:pPr>
+            <a:r>
+              <a:rPr lang="en-US" dirty="0"/>
+              <a:t> Consumer Price Index -  This statistic is the best indicator of inflation that we must rely on. Changes in inflation can spur the Fed to take action to change its monetary policy. </a:t>
+            </a:r>
+          </a:p>
+          <a:p>
+            <a:pPr marL="914400" lvl="1" indent="-457200">
+              <a:buFont typeface="+mj-lt"/>
+              <a:buAutoNum type="arabicPeriod"/>
+            </a:pPr>
+            <a:r>
+              <a:rPr lang="en-US" dirty="0"/>
+              <a:t> Current Employee Statistics - This is the earliest indicator of economic trends released each month. </a:t>
+            </a:r>
+          </a:p>
+          <a:p>
+            <a:pPr marL="914400" lvl="1" indent="-457200">
+              <a:buFont typeface="+mj-lt"/>
+              <a:buAutoNum type="arabicPeriod"/>
+            </a:pPr>
+            <a:r>
+              <a:rPr lang="en-US" dirty="0"/>
+              <a:t> S&amp;P 500 - The index is designed to measure changes in the stock prices of component companies. It is used as a measure of the nation's stock of capital, as well as a gauge of future business and consumer confidence levels. Growth of the S&amp;P 500 index can translate into growth of business investment. It can also be a clue to higher future consumer spending. A declining S&amp;P 500 index can signal a tightening of belts for both businesses and consumers.  </a:t>
+            </a:r>
+          </a:p>
+          <a:p>
+            <a:pPr marL="914400" lvl="1" indent="-457200">
+              <a:buFont typeface="+mj-lt"/>
+              <a:buAutoNum type="arabicPeriod"/>
+            </a:pPr>
+            <a:r>
+              <a:rPr lang="en-US" dirty="0"/>
+              <a:t>Population – High economic loss could be associated with high population density?</a:t>
+            </a:r>
+          </a:p>
+          <a:p>
+            <a:pPr marL="514350" indent="-514350">
+              <a:buFont typeface="+mj-lt"/>
+              <a:buAutoNum type="arabicPeriod"/>
+            </a:pPr>
+            <a:endParaRPr lang="en-US" sz="3400" dirty="0"/>
+          </a:p>
+          <a:p>
+            <a:r>
+              <a:rPr lang="en-US" sz="3400" dirty="0"/>
+              <a:t>Predicting Hurricane Intensity Forecast </a:t>
+            </a:r>
+          </a:p>
+          <a:p>
+            <a:pPr marL="971550" lvl="1" indent="-514350">
+              <a:buFont typeface="+mj-lt"/>
+              <a:buAutoNum type="arabicPeriod"/>
+            </a:pPr>
+            <a:r>
+              <a:rPr lang="en-US" sz="2600" dirty="0"/>
+              <a:t> City and Country – </a:t>
+            </a:r>
+            <a:r>
+              <a:rPr lang="en-US" sz="2000" b="0" i="0" dirty="0">
+                <a:solidFill>
+                  <a:srgbClr val="444444"/>
+                </a:solidFill>
+                <a:effectLst/>
+                <a:latin typeface="Calibri" panose="020F0502020204030204" pitchFamily="34" charset="0"/>
+              </a:rPr>
+              <a:t>We could use the LAT and LON coordinates in the dataset to geocode the location. Perhaps high hurricane intensity is prone in certain regions </a:t>
+            </a:r>
+          </a:p>
+          <a:p>
+            <a:pPr marL="971550" lvl="1" indent="-514350">
+              <a:buFont typeface="+mj-lt"/>
+              <a:buAutoNum type="arabicPeriod"/>
+            </a:pPr>
+            <a:r>
+              <a:rPr lang="en-US" sz="2600" dirty="0"/>
+              <a:t> Rainfall of the region- High hurricane Intensity could be associated with heavy rainfall in the region</a:t>
+            </a:r>
+          </a:p>
+        </p:txBody>
+      </p:sp>
+    </p:spTree>
+    <p:extLst>
+      <p:ext uri="{BB962C8B-B14F-4D97-AF65-F5344CB8AC3E}">
+        <p14:creationId xmlns:p14="http://schemas.microsoft.com/office/powerpoint/2010/main" val="1288153737"/>
+      </p:ext>
+    </p:extLst>
+  </p:cSld>
+  <p:clrMapOvr>
+    <a:masterClrMapping/>
+  </p:clrMapOvr>
+</p:sld>
+</file>
+
+<file path=ppt/slides/slide15.xml><?xml version="1.0" encoding="utf-8"?>
+<p:sld xmlns:a="http://schemas.openxmlformats.org/drawingml/2006/main" xmlns:r="http://schemas.openxmlformats.org/officeDocument/2006/relationships" xmlns:p="http://schemas.openxmlformats.org/presentationml/2006/main">
+  <p:cSld>
+    <p:spTree>
+      <p:nvGrpSpPr>
+        <p:cNvPr id="1" name=""/>
+        <p:cNvGrpSpPr/>
+        <p:nvPr/>
+      </p:nvGrpSpPr>
+      <p:grpSpPr>
+        <a:xfrm>
+          <a:off x="0" y="0"/>
+          <a:ext cx="0" cy="0"/>
+          <a:chOff x="0" y="0"/>
+          <a:chExt cx="0" cy="0"/>
+        </a:xfrm>
+      </p:grpSpPr>
+      <p:sp>
+        <p:nvSpPr>
           <p:cNvPr id="2" name="Title 1">
             <a:extLst>
               <a:ext uri="{FF2B5EF4-FFF2-40B4-BE49-F238E27FC236}">
@@ -5446,8 +5909,8 @@
           </a:p>
         </p:txBody>
       </p:sp>
-      <mc:AlternateContent xmlns:mc="http://schemas.openxmlformats.org/markup-compatibility/2006">
-        <mc:Choice xmlns:a14="http://schemas.microsoft.com/office/drawing/2010/main" Requires="a14">
+      <mc:AlternateContent xmlns:mc="http://schemas.openxmlformats.org/markup-compatibility/2006" xmlns:a14="http://schemas.microsoft.com/office/drawing/2010/main">
+        <mc:Choice Requires="a14">
           <p:sp>
             <p:nvSpPr>
               <p:cNvPr id="5" name="TextBox 4">
@@ -5476,6 +5939,7 @@
               </a:bodyPr>
               <a:lstStyle/>
               <a:p>
+                <a:pPr/>
                 <a14:m>
                   <m:oMathPara xmlns:m="http://schemas.openxmlformats.org/officeDocument/2006/math">
                     <m:oMathParaPr>
@@ -5599,7 +6063,7 @@
             </p:txBody>
           </p:sp>
         </mc:Choice>
-        <mc:Fallback>
+        <mc:Fallback xmlns="">
           <p:sp>
             <p:nvSpPr>
               <p:cNvPr id="5" name="TextBox 4">

--- a/presentation material/week3_hurricane.pptx
+++ b/presentation material/week3_hurricane.pptx
@@ -10,12 +10,17 @@
     <p:sldId id="257" r:id="rId4"/>
     <p:sldId id="263" r:id="rId5"/>
     <p:sldId id="258" r:id="rId6"/>
-    <p:sldId id="259" r:id="rId7"/>
-    <p:sldId id="261" r:id="rId8"/>
-    <p:sldId id="265" r:id="rId9"/>
-    <p:sldId id="266" r:id="rId10"/>
-    <p:sldId id="262" r:id="rId11"/>
-    <p:sldId id="267" r:id="rId12"/>
+    <p:sldId id="260" r:id="rId7"/>
+    <p:sldId id="268" r:id="rId8"/>
+    <p:sldId id="269" r:id="rId9"/>
+    <p:sldId id="270" r:id="rId10"/>
+    <p:sldId id="259" r:id="rId11"/>
+    <p:sldId id="261" r:id="rId12"/>
+    <p:sldId id="265" r:id="rId13"/>
+    <p:sldId id="271" r:id="rId14"/>
+    <p:sldId id="266" r:id="rId15"/>
+    <p:sldId id="262" r:id="rId16"/>
+    <p:sldId id="267" r:id="rId17"/>
   </p:sldIdLst>
   <p:sldSz cx="12192000" cy="6858000"/>
   <p:notesSz cx="6858000" cy="9144000"/>
@@ -3905,7 +3910,7 @@
           <p:cNvPr id="2" name="Title 1">
             <a:extLst>
               <a:ext uri="{FF2B5EF4-FFF2-40B4-BE49-F238E27FC236}">
-                <a16:creationId xmlns:a16="http://schemas.microsoft.com/office/drawing/2014/main" id="{4D453FB1-F567-428A-BE81-A9113B446346}"/>
+                <a16:creationId xmlns:a16="http://schemas.microsoft.com/office/drawing/2014/main" id="{A925E85C-5C72-4323-A311-F6BD2FFAF2B0}"/>
               </a:ext>
             </a:extLst>
           </p:cNvPr>
@@ -3923,7 +3928,7 @@
           <a:p>
             <a:r>
               <a:rPr lang="en-US" b="1" dirty="0"/>
-              <a:t>Prediction ML Model (Economic Loss)</a:t>
+              <a:t>Features for Economic Loss</a:t>
             </a:r>
           </a:p>
         </p:txBody>
@@ -3933,7 +3938,7 @@
           <p:cNvPr id="3" name="Content Placeholder 2">
             <a:extLst>
               <a:ext uri="{FF2B5EF4-FFF2-40B4-BE49-F238E27FC236}">
-                <a16:creationId xmlns:a16="http://schemas.microsoft.com/office/drawing/2014/main" id="{E490BB96-2062-47E6-ACB8-84F63E541F3A}"/>
+                <a16:creationId xmlns:a16="http://schemas.microsoft.com/office/drawing/2014/main" id="{32B9D5CE-EAD9-466D-847D-F31CA4B5597B}"/>
               </a:ext>
             </a:extLst>
           </p:cNvPr>
@@ -3946,237 +3951,119 @@
         </p:nvSpPr>
         <p:spPr/>
         <p:txBody>
-          <a:bodyPr/>
-          <a:lstStyle/>
-          <a:p>
-            <a:r>
-              <a:rPr lang="en-US" dirty="0"/>
-              <a:t>Data Set</a:t>
-            </a:r>
-          </a:p>
-          <a:p>
-            <a:pPr lvl="1"/>
-            <a:r>
-              <a:rPr lang="en-US" dirty="0"/>
-              <a:t>icatdamageestimator.com/</a:t>
-            </a:r>
-            <a:r>
-              <a:rPr lang="en-US" dirty="0" err="1"/>
-              <a:t>viewdata</a:t>
-            </a:r>
-            <a:endParaRPr lang="en-US" dirty="0"/>
-          </a:p>
-          <a:p>
-            <a:pPr lvl="1"/>
-            <a:r>
-              <a:rPr lang="en-US" dirty="0"/>
-              <a:t>N = 59 (one for each storm)</a:t>
-            </a:r>
-          </a:p>
-          <a:p>
-            <a:pPr lvl="1"/>
-            <a:r>
-              <a:rPr lang="en-US" dirty="0"/>
-              <a:t>Predictand  = Current Damage ($) (2020)</a:t>
-            </a:r>
-          </a:p>
-          <a:p>
-            <a:pPr lvl="1"/>
-            <a:endParaRPr lang="en-US" dirty="0"/>
-          </a:p>
-          <a:p>
-            <a:pPr lvl="1"/>
-            <a:endParaRPr lang="en-US" dirty="0"/>
-          </a:p>
-        </p:txBody>
-      </p:sp>
-      <p:pic>
-        <p:nvPicPr>
-          <p:cNvPr id="2050" name="Picture 2">
-            <a:extLst>
-              <a:ext uri="{FF2B5EF4-FFF2-40B4-BE49-F238E27FC236}">
-                <a16:creationId xmlns:a16="http://schemas.microsoft.com/office/drawing/2014/main" id="{2545522F-2D21-4E50-B106-54C9A1E86B0D}"/>
-              </a:ext>
-            </a:extLst>
-          </p:cNvPr>
-          <p:cNvPicPr>
-            <a:picLocks noChangeAspect="1" noChangeArrowheads="1"/>
-          </p:cNvPicPr>
-          <p:nvPr/>
-        </p:nvPicPr>
-        <p:blipFill>
-          <a:blip r:embed="rId2">
-            <a:extLst>
-              <a:ext uri="{28A0092B-C50C-407E-A947-70E740481C1C}">
-                <a14:useLocalDpi xmlns:a14="http://schemas.microsoft.com/office/drawing/2010/main" val="0"/>
-              </a:ext>
-            </a:extLst>
-          </a:blip>
-          <a:srcRect/>
-          <a:stretch>
-            <a:fillRect/>
-          </a:stretch>
-        </p:blipFill>
-        <p:spPr bwMode="auto">
-          <a:xfrm>
-            <a:off x="652846" y="4001294"/>
-            <a:ext cx="5162550" cy="1933575"/>
-          </a:xfrm>
-          <a:prstGeom prst="rect">
-            <a:avLst/>
-          </a:prstGeom>
-          <a:noFill/>
-          <a:extLst>
-            <a:ext uri="{909E8E84-426E-40DD-AFC4-6F175D3DCCD1}">
-              <a14:hiddenFill xmlns:a14="http://schemas.microsoft.com/office/drawing/2010/main">
-                <a:solidFill>
-                  <a:srgbClr val="FFFFFF"/>
-                </a:solidFill>
-              </a14:hiddenFill>
-            </a:ext>
-          </a:extLst>
-        </p:spPr>
-      </p:pic>
-      <p:pic>
-        <p:nvPicPr>
-          <p:cNvPr id="2052" name="Picture 4">
-            <a:extLst>
-              <a:ext uri="{FF2B5EF4-FFF2-40B4-BE49-F238E27FC236}">
-                <a16:creationId xmlns:a16="http://schemas.microsoft.com/office/drawing/2014/main" id="{C219CB39-74AD-4391-B9DE-777D889F1192}"/>
-              </a:ext>
-            </a:extLst>
-          </p:cNvPr>
-          <p:cNvPicPr>
-            <a:picLocks noChangeAspect="1" noChangeArrowheads="1"/>
-          </p:cNvPicPr>
-          <p:nvPr/>
-        </p:nvPicPr>
-        <p:blipFill>
-          <a:blip r:embed="rId3">
-            <a:extLst>
-              <a:ext uri="{28A0092B-C50C-407E-A947-70E740481C1C}">
-                <a14:useLocalDpi xmlns:a14="http://schemas.microsoft.com/office/drawing/2010/main" val="0"/>
-              </a:ext>
-            </a:extLst>
-          </a:blip>
-          <a:srcRect/>
-          <a:stretch>
-            <a:fillRect/>
-          </a:stretch>
-        </p:blipFill>
-        <p:spPr bwMode="auto">
-          <a:xfrm>
-            <a:off x="6273969" y="4001294"/>
-            <a:ext cx="5381625" cy="2009775"/>
-          </a:xfrm>
-          <a:prstGeom prst="rect">
-            <a:avLst/>
-          </a:prstGeom>
-          <a:noFill/>
-          <a:extLst>
-            <a:ext uri="{909E8E84-426E-40DD-AFC4-6F175D3DCCD1}">
-              <a14:hiddenFill xmlns:a14="http://schemas.microsoft.com/office/drawing/2010/main">
-                <a:solidFill>
-                  <a:srgbClr val="FFFFFF"/>
-                </a:solidFill>
-              </a14:hiddenFill>
-            </a:ext>
-          </a:extLst>
-        </p:spPr>
-      </p:pic>
-      <p:sp>
-        <p:nvSpPr>
-          <p:cNvPr id="4" name="Rectangle 3">
-            <a:extLst>
-              <a:ext uri="{FF2B5EF4-FFF2-40B4-BE49-F238E27FC236}">
-                <a16:creationId xmlns:a16="http://schemas.microsoft.com/office/drawing/2014/main" id="{EC94006F-F5E8-4C92-8CA0-8770855DF445}"/>
-              </a:ext>
-            </a:extLst>
-          </p:cNvPr>
-          <p:cNvSpPr/>
-          <p:nvPr/>
-        </p:nvSpPr>
-        <p:spPr>
-          <a:xfrm>
-            <a:off x="1492212" y="3759200"/>
-            <a:ext cx="4425820" cy="923330"/>
-          </a:xfrm>
-          <a:prstGeom prst="rect">
-            <a:avLst/>
-          </a:prstGeom>
-        </p:spPr>
-        <p:txBody>
-          <a:bodyPr wrap="square">
-            <a:spAutoFit/>
+          <a:bodyPr>
+            <a:normAutofit fontScale="92500" lnSpcReduction="20000"/>
           </a:bodyPr>
           <a:lstStyle/>
           <a:p>
-            <a:pPr marL="457200"/>
-            <a:r>
-              <a:rPr lang="en-US">
-                <a:solidFill>
-                  <a:srgbClr val="000000"/>
-                </a:solidFill>
-                <a:latin typeface="Arial" panose="020B0604020202020204" pitchFamily="34" charset="0"/>
+            <a:pPr marL="0" indent="0" algn="l" rtl="0" fontAlgn="base">
+              <a:buNone/>
+            </a:pPr>
+            <a:r>
+              <a:rPr lang="en-US" sz="2000" b="1" i="0" dirty="0">
+                <a:effectLst/>
               </a:rPr>
-              <a:t>Random Forest Regressor:</a:t>
-            </a:r>
-            <a:endParaRPr lang="en-US" b="0">
-              <a:effectLst/>
-            </a:endParaRPr>
-          </a:p>
-          <a:p>
+              <a:t>GDP</a:t>
+            </a:r>
+            <a:r>
+              <a:rPr lang="en-US" sz="2000" b="0" i="0" dirty="0">
+                <a:effectLst/>
+              </a:rPr>
+              <a:t>  </a:t>
+            </a:r>
+          </a:p>
+          <a:p>
+            <a:pPr lvl="1" fontAlgn="base"/>
+            <a:r>
+              <a:rPr lang="en-US" sz="2000" b="0" i="0" dirty="0">
+                <a:effectLst/>
+              </a:rPr>
+              <a:t>Federal Reserve uses real GDP and other related economic indicators to adjust monetary policy. </a:t>
+            </a:r>
+          </a:p>
+          <a:p>
+            <a:pPr marL="0" indent="0" algn="l" rtl="0" fontAlgn="base">
+              <a:buNone/>
+            </a:pPr>
+            <a:r>
+              <a:rPr lang="en-US" sz="2000" b="1" i="0" dirty="0">
+                <a:effectLst/>
+              </a:rPr>
+              <a:t>Money Supply </a:t>
+            </a:r>
+          </a:p>
+          <a:p>
+            <a:pPr lvl="1" fontAlgn="base"/>
+            <a:r>
+              <a:rPr lang="en-US" sz="2000" b="0" i="0" dirty="0">
+                <a:effectLst/>
+              </a:rPr>
+              <a:t>Economists and others also use M2 data to predict cyclical economic recessions and recoveries, expected changes in stock prices, and expected changes in the Fed's monetary policy. </a:t>
+            </a:r>
+          </a:p>
+          <a:p>
+            <a:pPr marL="0" indent="0" algn="l" rtl="0" fontAlgn="base">
+              <a:buNone/>
+            </a:pPr>
+            <a:r>
+              <a:rPr lang="en-US" sz="2000" b="1" i="0" dirty="0">
+                <a:effectLst/>
+              </a:rPr>
+              <a:t>Consumer Price Index (CPI) </a:t>
+            </a:r>
+          </a:p>
+          <a:p>
+            <a:pPr lvl="1" fontAlgn="base"/>
+            <a:r>
+              <a:rPr lang="en-US" sz="2000" b="0" i="0" dirty="0">
+                <a:effectLst/>
+              </a:rPr>
+              <a:t>This statistic is the best indicator of inflation. Changes in inflation can spur the Fed to take action to change its monetary policy. </a:t>
+            </a:r>
+          </a:p>
+          <a:p>
+            <a:pPr marL="0" indent="0" algn="l" rtl="0" fontAlgn="base">
+              <a:buNone/>
+            </a:pPr>
+            <a:r>
+              <a:rPr lang="en-US" sz="2000" b="1" i="0" dirty="0">
+                <a:effectLst/>
+              </a:rPr>
+              <a:t>Current Employment Statistics (CES) </a:t>
+            </a:r>
+          </a:p>
+          <a:p>
+            <a:pPr lvl="1" fontAlgn="base"/>
+            <a:r>
+              <a:rPr lang="en-US" sz="2000" b="0" i="0" dirty="0">
+                <a:effectLst/>
+              </a:rPr>
+              <a:t>This is the earliest indicator of economic trends released each month. </a:t>
+            </a:r>
+          </a:p>
+          <a:p>
+            <a:pPr marL="0" indent="0" algn="l" rtl="0" fontAlgn="base">
+              <a:buNone/>
+            </a:pPr>
+            <a:r>
+              <a:rPr lang="en-US" sz="2000" b="1" i="0" dirty="0">
+                <a:effectLst/>
+              </a:rPr>
+              <a:t>S&amp;P 500 </a:t>
+            </a:r>
+          </a:p>
+          <a:p>
+            <a:pPr lvl="1" fontAlgn="base"/>
+            <a:r>
+              <a:rPr lang="en-US" sz="2000" b="0" i="0" dirty="0">
+                <a:effectLst/>
+              </a:rPr>
+              <a:t>The index is designed to measure changes in the stock prices of component companies. It is used as a measure of the nation's stock of capital, as well as a gauge of future business and consumer confidence levels. Growth of the S&amp;P 500 index can translate into growth of business investment. </a:t>
+            </a:r>
             <a:br>
-              <a:rPr lang="en-US"/>
-            </a:br>
-            <a:endParaRPr lang="en-US" dirty="0"/>
-          </a:p>
-        </p:txBody>
-      </p:sp>
-      <p:sp>
-        <p:nvSpPr>
-          <p:cNvPr id="5" name="Rectangle 4">
-            <a:extLst>
-              <a:ext uri="{FF2B5EF4-FFF2-40B4-BE49-F238E27FC236}">
-                <a16:creationId xmlns:a16="http://schemas.microsoft.com/office/drawing/2014/main" id="{0EDF6B0B-AA38-46C0-A6BD-4F7CF91E7172}"/>
-              </a:ext>
-            </a:extLst>
-          </p:cNvPr>
-          <p:cNvSpPr/>
-          <p:nvPr/>
-        </p:nvSpPr>
-        <p:spPr>
-          <a:xfrm>
-            <a:off x="7489372" y="3759200"/>
-            <a:ext cx="6096000" cy="923330"/>
-          </a:xfrm>
-          <a:prstGeom prst="rect">
-            <a:avLst/>
-          </a:prstGeom>
-        </p:spPr>
-        <p:txBody>
-          <a:bodyPr>
-            <a:spAutoFit/>
-          </a:bodyPr>
-          <a:lstStyle/>
-          <a:p>
-            <a:pPr marL="457200"/>
-            <a:r>
-              <a:rPr lang="en-US" dirty="0">
-                <a:solidFill>
-                  <a:srgbClr val="000000"/>
-                </a:solidFill>
-                <a:latin typeface="Arial" panose="020B0604020202020204" pitchFamily="34" charset="0"/>
+              <a:rPr lang="en-US" sz="1800" b="0" i="0" dirty="0">
+                <a:effectLst/>
               </a:rPr>
-              <a:t>Linear Regression:</a:t>
-            </a:r>
-            <a:endParaRPr lang="en-US" b="0" dirty="0">
-              <a:effectLst/>
-            </a:endParaRPr>
-          </a:p>
-          <a:p>
-            <a:br>
-              <a:rPr lang="en-US" dirty="0"/>
             </a:br>
             <a:endParaRPr lang="en-US" dirty="0"/>
           </a:p>
@@ -4185,7 +4072,7 @@
     </p:spTree>
     <p:extLst>
       <p:ext uri="{BB962C8B-B14F-4D97-AF65-F5344CB8AC3E}">
-        <p14:creationId xmlns:p14="http://schemas.microsoft.com/office/powerpoint/2010/main" val="763792112"/>
+        <p14:creationId xmlns:p14="http://schemas.microsoft.com/office/powerpoint/2010/main" val="378387447"/>
       </p:ext>
     </p:extLst>
   </p:cSld>
@@ -4217,7 +4104,7 @@
           <p:cNvPr id="2" name="Title 1">
             <a:extLst>
               <a:ext uri="{FF2B5EF4-FFF2-40B4-BE49-F238E27FC236}">
-                <a16:creationId xmlns:a16="http://schemas.microsoft.com/office/drawing/2014/main" id="{A47C7B9D-A62B-44B5-B5ED-0BEA1AD44E4C}"/>
+                <a16:creationId xmlns:a16="http://schemas.microsoft.com/office/drawing/2014/main" id="{C56C36D3-D337-4A43-B667-66E612E0EA53}"/>
               </a:ext>
             </a:extLst>
           </p:cNvPr>
@@ -4235,7 +4122,7 @@
           <a:p>
             <a:r>
               <a:rPr lang="en-US" b="1" dirty="0"/>
-              <a:t>Next Steps</a:t>
+              <a:t>Evaluation Metrics</a:t>
             </a:r>
           </a:p>
         </p:txBody>
@@ -4245,7 +4132,7 @@
           <p:cNvPr id="3" name="Content Placeholder 2">
             <a:extLst>
               <a:ext uri="{FF2B5EF4-FFF2-40B4-BE49-F238E27FC236}">
-                <a16:creationId xmlns:a16="http://schemas.microsoft.com/office/drawing/2014/main" id="{A88B2BFF-F9E3-4EE7-BB8C-62DA29A7F677}"/>
+                <a16:creationId xmlns:a16="http://schemas.microsoft.com/office/drawing/2014/main" id="{74961C62-49B3-423F-AC4A-DDD6880DDF45}"/>
               </a:ext>
             </a:extLst>
           </p:cNvPr>
@@ -4256,7 +4143,12 @@
             <p:ph idx="1"/>
           </p:nvPr>
         </p:nvSpPr>
-        <p:spPr/>
+        <p:spPr>
+          <a:xfrm>
+            <a:off x="295471" y="1844287"/>
+            <a:ext cx="10515600" cy="4351338"/>
+          </a:xfrm>
+        </p:spPr>
         <p:txBody>
           <a:bodyPr>
             <a:normAutofit/>
@@ -4264,51 +4156,114 @@
           <a:lstStyle/>
           <a:p>
             <a:r>
-              <a:rPr lang="en-US" dirty="0"/>
-              <a:t>Implementing Newly Found Features (Neel and </a:t>
-            </a:r>
-            <a:r>
-              <a:rPr lang="en-US" dirty="0" err="1"/>
-              <a:t>Akshay</a:t>
-            </a:r>
-            <a:r>
-              <a:rPr lang="en-US" dirty="0"/>
-              <a:t>) into the script</a:t>
-            </a:r>
-          </a:p>
-          <a:p>
-            <a:r>
-              <a:rPr lang="en-US" dirty="0"/>
-              <a:t>Combine two ML scripts together</a:t>
-            </a:r>
-          </a:p>
-          <a:p>
-            <a:r>
-              <a:rPr lang="en-US" dirty="0"/>
-              <a:t>Hyperparameter tuning and implementing different sampling methods for RI Prediction Model</a:t>
-            </a:r>
-          </a:p>
-          <a:p>
-            <a:r>
-              <a:rPr lang="en-US" dirty="0"/>
-              <a:t>Further build on Economic Loss Model</a:t>
-            </a:r>
-          </a:p>
-          <a:p>
-            <a:r>
-              <a:rPr lang="en-US" dirty="0"/>
-              <a:t> Any others?</a:t>
-            </a:r>
-          </a:p>
-          <a:p>
-            <a:endParaRPr lang="en-US" dirty="0"/>
+              <a:rPr lang="en-US" sz="2000" dirty="0"/>
+              <a:t>Accuracy</a:t>
+            </a:r>
+          </a:p>
+          <a:p>
+            <a:r>
+              <a:rPr lang="en-US" sz="2000" dirty="0"/>
+              <a:t>Confusion Matrix (</a:t>
+            </a:r>
+            <a:r>
+              <a:rPr lang="en-US" sz="2000" b="1" dirty="0"/>
+              <a:t>False Positive</a:t>
+            </a:r>
+            <a:r>
+              <a:rPr lang="en-US" sz="2000" dirty="0"/>
+              <a:t>, </a:t>
+            </a:r>
+            <a:r>
+              <a:rPr lang="en-US" sz="2000" b="1" dirty="0"/>
+              <a:t>False Negative</a:t>
+            </a:r>
+            <a:r>
+              <a:rPr lang="en-US" sz="2000" dirty="0"/>
+              <a:t>)</a:t>
+            </a:r>
+          </a:p>
+          <a:p>
+            <a:r>
+              <a:rPr lang="en-US" sz="2000" b="1" dirty="0"/>
+              <a:t>Pierce Skill Score (PSS)</a:t>
+            </a:r>
+          </a:p>
+          <a:p>
+            <a:r>
+              <a:rPr lang="en-US" sz="2000" b="1" dirty="0"/>
+              <a:t>Probability of Detection (POD)</a:t>
+            </a:r>
+          </a:p>
+          <a:p>
+            <a:r>
+              <a:rPr lang="en-US" sz="2000" dirty="0"/>
+              <a:t>False Alarm Ratio (FAR)</a:t>
+            </a:r>
+          </a:p>
+          <a:p>
+            <a:r>
+              <a:rPr lang="en-US" sz="2000" dirty="0"/>
+              <a:t>Brier Score</a:t>
+            </a:r>
+          </a:p>
+          <a:p>
+            <a:pPr lvl="1"/>
+            <a:r>
+              <a:rPr lang="en-US" sz="1600" dirty="0"/>
+              <a:t>accuracy of probabilistic predictions</a:t>
+            </a:r>
+          </a:p>
+          <a:p>
+            <a:r>
+              <a:rPr lang="en-US" sz="2000" dirty="0"/>
+              <a:t>F1</a:t>
+            </a:r>
+          </a:p>
+          <a:p>
+            <a:r>
+              <a:rPr lang="en-US" sz="2000" dirty="0"/>
+              <a:t>Precision</a:t>
+            </a:r>
+          </a:p>
+          <a:p>
+            <a:endParaRPr lang="en-US" sz="2000" dirty="0"/>
           </a:p>
         </p:txBody>
       </p:sp>
+      <p:pic>
+        <p:nvPicPr>
+          <p:cNvPr id="4" name="Picture 3">
+            <a:extLst>
+              <a:ext uri="{FF2B5EF4-FFF2-40B4-BE49-F238E27FC236}">
+                <a16:creationId xmlns:a16="http://schemas.microsoft.com/office/drawing/2014/main" id="{B7DF1062-1411-4BD6-AE33-0A6189EDBA1B}"/>
+              </a:ext>
+            </a:extLst>
+          </p:cNvPr>
+          <p:cNvPicPr>
+            <a:picLocks noChangeAspect="1"/>
+          </p:cNvPicPr>
+          <p:nvPr/>
+        </p:nvPicPr>
+        <p:blipFill>
+          <a:blip r:embed="rId2"/>
+          <a:stretch>
+            <a:fillRect/>
+          </a:stretch>
+        </p:blipFill>
+        <p:spPr>
+          <a:xfrm>
+            <a:off x="4415002" y="2715525"/>
+            <a:ext cx="7481527" cy="2868749"/>
+          </a:xfrm>
+          <a:prstGeom prst="rect">
+            <a:avLst/>
+          </a:prstGeom>
+        </p:spPr>
+      </p:pic>
     </p:spTree>
     <p:extLst>
       <p:ext uri="{BB962C8B-B14F-4D97-AF65-F5344CB8AC3E}">
-        <p14:creationId xmlns:p14="http://schemas.microsoft.com/office/powerpoint/2010/main" val="1724519151"/>
+        <p14:creationId xmlns:p14="http://schemas.microsoft.com/office/powerpoint/2010/main" val="2362066188"/>
       </p:ext>
     </p:extLst>
   </p:cSld>
@@ -4318,7 +4273,7 @@
 </p:sld>
 </file>
 
-<file path=ppt/slides/slide2.xml><?xml version="1.0" encoding="utf-8"?>
+<file path=ppt/slides/slide12.xml><?xml version="1.0" encoding="utf-8"?>
 <p:sld xmlns:a="http://schemas.openxmlformats.org/drawingml/2006/main" xmlns:r="http://schemas.openxmlformats.org/officeDocument/2006/relationships" xmlns:p="http://schemas.openxmlformats.org/presentationml/2006/main">
   <p:cSld>
     <p:spTree>
@@ -4340,7 +4295,7 @@
           <p:cNvPr id="2" name="Title 1">
             <a:extLst>
               <a:ext uri="{FF2B5EF4-FFF2-40B4-BE49-F238E27FC236}">
-                <a16:creationId xmlns:a16="http://schemas.microsoft.com/office/drawing/2014/main" id="{A47C7B9D-A62B-44B5-B5ED-0BEA1AD44E4C}"/>
+                <a16:creationId xmlns:a16="http://schemas.microsoft.com/office/drawing/2014/main" id="{C56C36D3-D337-4A43-B667-66E612E0EA53}"/>
               </a:ext>
             </a:extLst>
           </p:cNvPr>
@@ -4358,963 +4313,15 @@
           <a:p>
             <a:r>
               <a:rPr lang="en-US" b="1" dirty="0"/>
-              <a:t>Agenda</a:t>
-            </a:r>
-          </a:p>
-        </p:txBody>
-      </p:sp>
-      <p:sp>
-        <p:nvSpPr>
-          <p:cNvPr id="3" name="Content Placeholder 2">
-            <a:extLst>
-              <a:ext uri="{FF2B5EF4-FFF2-40B4-BE49-F238E27FC236}">
-                <a16:creationId xmlns:a16="http://schemas.microsoft.com/office/drawing/2014/main" id="{A88B2BFF-F9E3-4EE7-BB8C-62DA29A7F677}"/>
-              </a:ext>
-            </a:extLst>
-          </p:cNvPr>
-          <p:cNvSpPr>
-            <a:spLocks noGrp="1"/>
-          </p:cNvSpPr>
-          <p:nvPr>
-            <p:ph idx="1"/>
-          </p:nvPr>
-        </p:nvSpPr>
-        <p:spPr/>
-        <p:txBody>
-          <a:bodyPr>
-            <a:normAutofit/>
-          </a:bodyPr>
-          <a:lstStyle/>
-          <a:p>
-            <a:r>
-              <a:rPr lang="en-US" dirty="0"/>
-              <a:t>Feature Selection:</a:t>
-            </a:r>
-          </a:p>
-          <a:p>
-            <a:pPr lvl="1"/>
-            <a:r>
-              <a:rPr lang="en-US" dirty="0"/>
-              <a:t>creating a new list of features and finding additional features to include</a:t>
-            </a:r>
-          </a:p>
-          <a:p>
-            <a:r>
-              <a:rPr lang="en-US" dirty="0"/>
-              <a:t>Evaluation Metrics (Climatology and Conventional Classification)</a:t>
-            </a:r>
-          </a:p>
-          <a:p>
-            <a:r>
-              <a:rPr lang="en-US" dirty="0"/>
-              <a:t>Machine Learning Improvements</a:t>
-            </a:r>
-          </a:p>
-          <a:p>
-            <a:r>
-              <a:rPr lang="en-US" dirty="0"/>
-              <a:t>Economic Loss as a Target Variable</a:t>
-            </a:r>
-          </a:p>
-          <a:p>
-            <a:r>
-              <a:rPr lang="en-US" dirty="0"/>
-              <a:t>Next Steps</a:t>
-            </a:r>
-          </a:p>
-          <a:p>
-            <a:endParaRPr lang="en-US" dirty="0"/>
-          </a:p>
-        </p:txBody>
-      </p:sp>
-    </p:spTree>
-    <p:extLst>
-      <p:ext uri="{BB962C8B-B14F-4D97-AF65-F5344CB8AC3E}">
-        <p14:creationId xmlns:p14="http://schemas.microsoft.com/office/powerpoint/2010/main" val="3706550128"/>
-      </p:ext>
-    </p:extLst>
-  </p:cSld>
-  <p:clrMapOvr>
-    <a:masterClrMapping/>
-  </p:clrMapOvr>
-</p:sld>
-</file>
-
-<file path=ppt/slides/slide3.xml><?xml version="1.0" encoding="utf-8"?>
-<p:sld xmlns:a="http://schemas.openxmlformats.org/drawingml/2006/main" xmlns:r="http://schemas.openxmlformats.org/officeDocument/2006/relationships" xmlns:p="http://schemas.openxmlformats.org/presentationml/2006/main">
-  <p:cSld>
-    <p:spTree>
-      <p:nvGrpSpPr>
-        <p:cNvPr id="1" name=""/>
-        <p:cNvGrpSpPr/>
-        <p:nvPr/>
-      </p:nvGrpSpPr>
-      <p:grpSpPr>
-        <a:xfrm>
-          <a:off x="0" y="0"/>
-          <a:ext cx="0" cy="0"/>
-          <a:chOff x="0" y="0"/>
-          <a:chExt cx="0" cy="0"/>
-        </a:xfrm>
-      </p:grpSpPr>
-      <p:sp>
-        <p:nvSpPr>
-          <p:cNvPr id="2" name="Title 1">
-            <a:extLst>
-              <a:ext uri="{FF2B5EF4-FFF2-40B4-BE49-F238E27FC236}">
-                <a16:creationId xmlns:a16="http://schemas.microsoft.com/office/drawing/2014/main" id="{A47C7B9D-A62B-44B5-B5ED-0BEA1AD44E4C}"/>
-              </a:ext>
-            </a:extLst>
-          </p:cNvPr>
-          <p:cNvSpPr>
-            <a:spLocks noGrp="1"/>
-          </p:cNvSpPr>
-          <p:nvPr>
-            <p:ph type="title"/>
-          </p:nvPr>
-        </p:nvSpPr>
-        <p:spPr/>
-        <p:txBody>
-          <a:bodyPr/>
-          <a:lstStyle/>
-          <a:p>
+              <a:t>Machine Learning Improvements (</a:t>
+            </a:r>
+            <a:r>
+              <a:rPr lang="en-US" b="1" dirty="0" err="1"/>
+              <a:t>Kooha</a:t>
+            </a:r>
             <a:r>
               <a:rPr lang="en-US" b="1" dirty="0"/>
-              <a:t>Original Feature Set</a:t>
-            </a:r>
-          </a:p>
-        </p:txBody>
-      </p:sp>
-      <p:sp>
-        <p:nvSpPr>
-          <p:cNvPr id="3" name="Content Placeholder 2">
-            <a:extLst>
-              <a:ext uri="{FF2B5EF4-FFF2-40B4-BE49-F238E27FC236}">
-                <a16:creationId xmlns:a16="http://schemas.microsoft.com/office/drawing/2014/main" id="{A88B2BFF-F9E3-4EE7-BB8C-62DA29A7F677}"/>
-              </a:ext>
-            </a:extLst>
-          </p:cNvPr>
-          <p:cNvSpPr>
-            <a:spLocks noGrp="1"/>
-          </p:cNvSpPr>
-          <p:nvPr>
-            <p:ph idx="1"/>
-          </p:nvPr>
-        </p:nvSpPr>
-        <p:spPr/>
-        <p:txBody>
-          <a:bodyPr>
-            <a:normAutofit fontScale="85000" lnSpcReduction="10000"/>
-          </a:bodyPr>
-          <a:lstStyle/>
-          <a:p>
-            <a:r>
-              <a:rPr lang="en-US"/>
-              <a:t>‘</a:t>
-            </a:r>
-            <a:r>
-              <a:rPr lang="en-US" b="1"/>
-              <a:t>PER</a:t>
-            </a:r>
-            <a:r>
-              <a:rPr lang="en-US"/>
-              <a:t>’: TC intensity change in previous 12-h, unit in knot </a:t>
-            </a:r>
-          </a:p>
-          <a:p>
-            <a:r>
-              <a:rPr lang="en-US"/>
-              <a:t>‘</a:t>
-            </a:r>
-            <a:r>
-              <a:rPr lang="en-US" b="1"/>
-              <a:t>SHRD</a:t>
-            </a:r>
-            <a:r>
-              <a:rPr lang="en-US"/>
-              <a:t>’: 850-200 hPa vertical shear within a 500-km radius after vortex removal </a:t>
-            </a:r>
-          </a:p>
-          <a:p>
-            <a:r>
-              <a:rPr lang="en-US"/>
-              <a:t>‘</a:t>
-            </a:r>
-            <a:r>
-              <a:rPr lang="en-US" b="1"/>
-              <a:t>D200</a:t>
-            </a:r>
-            <a:r>
-              <a:rPr lang="en-US"/>
-              <a:t>’: 200 hPa divergence within a 1000-km radius</a:t>
-            </a:r>
-          </a:p>
-          <a:p>
-            <a:r>
-              <a:rPr lang="en-US"/>
-              <a:t>‘</a:t>
-            </a:r>
-            <a:r>
-              <a:rPr lang="en-US" b="1"/>
-              <a:t>TPW</a:t>
-            </a:r>
-            <a:r>
-              <a:rPr lang="en-US"/>
-              <a:t>’: Total precipitable water less than 45 mm, r=0 to 500 km in 90 deg azimuthal quadrant centered on up-shear direction </a:t>
-            </a:r>
-          </a:p>
-          <a:p>
-            <a:r>
-              <a:rPr lang="en-US"/>
-              <a:t>‘</a:t>
-            </a:r>
-            <a:r>
-              <a:rPr lang="en-US" b="1"/>
-              <a:t>PC2</a:t>
-            </a:r>
-            <a:r>
-              <a:rPr lang="en-US"/>
-              <a:t>’: Second principal component of GOES-IR imagery within a 440-km radius </a:t>
-            </a:r>
-          </a:p>
-          <a:p>
-            <a:r>
-              <a:rPr lang="en-US"/>
-              <a:t>‘</a:t>
-            </a:r>
-            <a:r>
-              <a:rPr lang="en-US" b="1"/>
-              <a:t>SDBT</a:t>
-            </a:r>
-            <a:r>
-              <a:rPr lang="en-US"/>
-              <a:t>’: Standard deviation of GOES-IR brightness temperature within 200 km radius </a:t>
-            </a:r>
-          </a:p>
-          <a:p>
-            <a:r>
-              <a:rPr lang="en-US"/>
-              <a:t>‘</a:t>
-            </a:r>
-            <a:r>
-              <a:rPr lang="en-US" b="1"/>
-              <a:t>POT</a:t>
-            </a:r>
-            <a:r>
-              <a:rPr lang="en-US"/>
-              <a:t>’: Potential intensity (current intensity – max potential intensity) </a:t>
-            </a:r>
-          </a:p>
-          <a:p>
-            <a:r>
-              <a:rPr lang="en-US"/>
-              <a:t>‘</a:t>
-            </a:r>
-            <a:r>
-              <a:rPr lang="en-US" b="1"/>
-              <a:t>OHC</a:t>
-            </a:r>
-            <a:r>
-              <a:rPr lang="en-US"/>
-              <a:t>’: Oceanic heat content </a:t>
-            </a:r>
-          </a:p>
-          <a:p>
-            <a:r>
-              <a:rPr lang="en-US"/>
-              <a:t>‘</a:t>
-            </a:r>
-            <a:r>
-              <a:rPr lang="en-US" b="1"/>
-              <a:t>VMX0</a:t>
-            </a:r>
-            <a:r>
-              <a:rPr lang="en-US"/>
-              <a:t>’: Max sustained wind at t=0h, unit in knot</a:t>
-            </a:r>
-          </a:p>
-          <a:p>
-            <a:endParaRPr lang="en-US" dirty="0"/>
-          </a:p>
-        </p:txBody>
-      </p:sp>
-    </p:spTree>
-    <p:extLst>
-      <p:ext uri="{BB962C8B-B14F-4D97-AF65-F5344CB8AC3E}">
-        <p14:creationId xmlns:p14="http://schemas.microsoft.com/office/powerpoint/2010/main" val="933211645"/>
-      </p:ext>
-    </p:extLst>
-  </p:cSld>
-  <p:clrMapOvr>
-    <a:masterClrMapping/>
-  </p:clrMapOvr>
-</p:sld>
-</file>
-
-<file path=ppt/slides/slide4.xml><?xml version="1.0" encoding="utf-8"?>
-<p:sld xmlns:a="http://schemas.openxmlformats.org/drawingml/2006/main" xmlns:r="http://schemas.openxmlformats.org/officeDocument/2006/relationships" xmlns:p="http://schemas.openxmlformats.org/presentationml/2006/main">
-  <p:cSld>
-    <p:spTree>
-      <p:nvGrpSpPr>
-        <p:cNvPr id="1" name=""/>
-        <p:cNvGrpSpPr/>
-        <p:nvPr/>
-      </p:nvGrpSpPr>
-      <p:grpSpPr>
-        <a:xfrm>
-          <a:off x="0" y="0"/>
-          <a:ext cx="0" cy="0"/>
-          <a:chOff x="0" y="0"/>
-          <a:chExt cx="0" cy="0"/>
-        </a:xfrm>
-      </p:grpSpPr>
-      <p:sp>
-        <p:nvSpPr>
-          <p:cNvPr id="2" name="Title 1">
-            <a:extLst>
-              <a:ext uri="{FF2B5EF4-FFF2-40B4-BE49-F238E27FC236}">
-                <a16:creationId xmlns:a16="http://schemas.microsoft.com/office/drawing/2014/main" id="{DA56B1CC-39DF-4061-B966-A3D66E1819C6}"/>
-              </a:ext>
-            </a:extLst>
-          </p:cNvPr>
-          <p:cNvSpPr>
-            <a:spLocks noGrp="1"/>
-          </p:cNvSpPr>
-          <p:nvPr>
-            <p:ph type="title"/>
-          </p:nvPr>
-        </p:nvSpPr>
-        <p:spPr/>
-        <p:txBody>
-          <a:bodyPr/>
-          <a:lstStyle/>
-          <a:p>
-            <a:r>
-              <a:rPr lang="en-US" b="1" dirty="0"/>
-              <a:t>Finding the Most Relevant Feature set</a:t>
-            </a:r>
-          </a:p>
-        </p:txBody>
-      </p:sp>
-      <p:sp>
-        <p:nvSpPr>
-          <p:cNvPr id="3" name="Content Placeholder 2">
-            <a:extLst>
-              <a:ext uri="{FF2B5EF4-FFF2-40B4-BE49-F238E27FC236}">
-                <a16:creationId xmlns:a16="http://schemas.microsoft.com/office/drawing/2014/main" id="{F62A0E70-E06C-4CD7-B8C4-4C5B531E5984}"/>
-              </a:ext>
-            </a:extLst>
-          </p:cNvPr>
-          <p:cNvSpPr>
-            <a:spLocks noGrp="1"/>
-          </p:cNvSpPr>
-          <p:nvPr>
-            <p:ph idx="1"/>
-          </p:nvPr>
-        </p:nvSpPr>
-        <p:spPr/>
-        <p:txBody>
-          <a:bodyPr/>
-          <a:lstStyle/>
-          <a:p>
-            <a:r>
-              <a:rPr lang="en-US"/>
-              <a:t>Through our feature selection methods, out of the 9 original these 4 were marked as most important:</a:t>
-            </a:r>
-          </a:p>
-          <a:p>
-            <a:pPr lvl="1"/>
-            <a:r>
-              <a:rPr lang="en-US" b="1"/>
-              <a:t>POT</a:t>
-            </a:r>
-            <a:r>
-              <a:rPr lang="en-US" dirty="0"/>
-              <a:t>: Potential intensity (current intensity – max potential intensity) </a:t>
-            </a:r>
-          </a:p>
-          <a:p>
-            <a:pPr lvl="1"/>
-            <a:r>
-              <a:rPr lang="en-US" b="1" dirty="0"/>
-              <a:t>PER</a:t>
-            </a:r>
-            <a:r>
-              <a:rPr lang="en-US" dirty="0"/>
-              <a:t>: TC intensity change in previous 12-h, unit in knot </a:t>
-            </a:r>
-          </a:p>
-          <a:p>
-            <a:pPr lvl="1"/>
-            <a:r>
-              <a:rPr lang="en-US" b="1" dirty="0"/>
-              <a:t>SHRD</a:t>
-            </a:r>
-            <a:r>
-              <a:rPr lang="en-US" dirty="0"/>
-              <a:t>: 850-200 hPa vertical shear within a 500-km radius after vortex removal </a:t>
-            </a:r>
-          </a:p>
-          <a:p>
-            <a:pPr lvl="1"/>
-            <a:r>
-              <a:rPr lang="en-US" b="1" dirty="0"/>
-              <a:t>OHC</a:t>
-            </a:r>
-            <a:r>
-              <a:rPr lang="en-US" dirty="0"/>
-              <a:t>: Oceanic heat content </a:t>
-            </a:r>
-          </a:p>
-        </p:txBody>
-      </p:sp>
-    </p:spTree>
-    <p:extLst>
-      <p:ext uri="{BB962C8B-B14F-4D97-AF65-F5344CB8AC3E}">
-        <p14:creationId xmlns:p14="http://schemas.microsoft.com/office/powerpoint/2010/main" val="3243598429"/>
-      </p:ext>
-    </p:extLst>
-  </p:cSld>
-  <p:clrMapOvr>
-    <a:masterClrMapping/>
-  </p:clrMapOvr>
-</p:sld>
-</file>
-
-<file path=ppt/slides/slide5.xml><?xml version="1.0" encoding="utf-8"?>
-<p:sld xmlns:a="http://schemas.openxmlformats.org/drawingml/2006/main" xmlns:r="http://schemas.openxmlformats.org/officeDocument/2006/relationships" xmlns:p="http://schemas.openxmlformats.org/presentationml/2006/main">
-  <p:cSld>
-    <p:spTree>
-      <p:nvGrpSpPr>
-        <p:cNvPr id="1" name=""/>
-        <p:cNvGrpSpPr/>
-        <p:nvPr/>
-      </p:nvGrpSpPr>
-      <p:grpSpPr>
-        <a:xfrm>
-          <a:off x="0" y="0"/>
-          <a:ext cx="0" cy="0"/>
-          <a:chOff x="0" y="0"/>
-          <a:chExt cx="0" cy="0"/>
-        </a:xfrm>
-      </p:grpSpPr>
-      <p:sp>
-        <p:nvSpPr>
-          <p:cNvPr id="2" name="Title 1">
-            <a:extLst>
-              <a:ext uri="{FF2B5EF4-FFF2-40B4-BE49-F238E27FC236}">
-                <a16:creationId xmlns:a16="http://schemas.microsoft.com/office/drawing/2014/main" id="{933D4A96-CCC2-4BEE-B1D3-7508019E338B}"/>
-              </a:ext>
-            </a:extLst>
-          </p:cNvPr>
-          <p:cNvSpPr>
-            <a:spLocks noGrp="1"/>
-          </p:cNvSpPr>
-          <p:nvPr>
-            <p:ph type="title"/>
-          </p:nvPr>
-        </p:nvSpPr>
-        <p:spPr/>
-        <p:txBody>
-          <a:bodyPr/>
-          <a:lstStyle/>
-          <a:p>
-            <a:r>
-              <a:rPr lang="en-US" b="1" dirty="0"/>
-              <a:t>Additional Features to be considered</a:t>
-            </a:r>
-          </a:p>
-        </p:txBody>
-      </p:sp>
-      <p:sp>
-        <p:nvSpPr>
-          <p:cNvPr id="3" name="Content Placeholder 2">
-            <a:extLst>
-              <a:ext uri="{FF2B5EF4-FFF2-40B4-BE49-F238E27FC236}">
-                <a16:creationId xmlns:a16="http://schemas.microsoft.com/office/drawing/2014/main" id="{91E72F98-3B49-4B26-9191-5FEBE4DFA6A8}"/>
-              </a:ext>
-            </a:extLst>
-          </p:cNvPr>
-          <p:cNvSpPr>
-            <a:spLocks noGrp="1"/>
-          </p:cNvSpPr>
-          <p:nvPr>
-            <p:ph idx="1"/>
-          </p:nvPr>
-        </p:nvSpPr>
-        <p:spPr/>
-        <p:txBody>
-          <a:bodyPr>
-            <a:normAutofit/>
-          </a:bodyPr>
-          <a:lstStyle/>
-          <a:p>
-            <a:pPr marL="0" indent="0">
-              <a:buNone/>
-            </a:pPr>
-            <a:r>
-              <a:rPr lang="en-US" sz="2400" b="1" dirty="0"/>
-              <a:t>U200</a:t>
-            </a:r>
-            <a:r>
-              <a:rPr lang="en-US" sz="2400" dirty="0"/>
-              <a:t>: 200 hPa zonal wind </a:t>
-            </a:r>
-          </a:p>
-          <a:p>
-            <a:pPr marL="0" indent="0" algn="l" rtl="0" fontAlgn="base">
-              <a:buNone/>
-            </a:pPr>
-            <a:r>
-              <a:rPr lang="en-US" sz="2400" b="1" i="0" dirty="0">
-                <a:effectLst/>
-              </a:rPr>
-              <a:t>City and Country</a:t>
-            </a:r>
-            <a:r>
-              <a:rPr lang="en-US" sz="2400" b="0" i="0" dirty="0">
-                <a:effectLst/>
-              </a:rPr>
-              <a:t> (via LAT and LON coordinates) </a:t>
-            </a:r>
-          </a:p>
-          <a:p>
-            <a:pPr lvl="1" fontAlgn="base"/>
-            <a:r>
-              <a:rPr lang="en-US" b="0" i="0" dirty="0">
-                <a:effectLst/>
-              </a:rPr>
-              <a:t>We could use the LAT and LON coordinates in the dataset to geocode the location. Perhaps high hurricane intensity is prone in certain regions. </a:t>
-            </a:r>
-          </a:p>
-          <a:p>
-            <a:endParaRPr lang="en-US" sz="2400" dirty="0"/>
-          </a:p>
-        </p:txBody>
-      </p:sp>
-    </p:spTree>
-    <p:extLst>
-      <p:ext uri="{BB962C8B-B14F-4D97-AF65-F5344CB8AC3E}">
-        <p14:creationId xmlns:p14="http://schemas.microsoft.com/office/powerpoint/2010/main" val="336714327"/>
-      </p:ext>
-    </p:extLst>
-  </p:cSld>
-  <p:clrMapOvr>
-    <a:masterClrMapping/>
-  </p:clrMapOvr>
-</p:sld>
-</file>
-
-<file path=ppt/slides/slide6.xml><?xml version="1.0" encoding="utf-8"?>
-<p:sld xmlns:a="http://schemas.openxmlformats.org/drawingml/2006/main" xmlns:r="http://schemas.openxmlformats.org/officeDocument/2006/relationships" xmlns:p="http://schemas.openxmlformats.org/presentationml/2006/main">
-  <p:cSld>
-    <p:spTree>
-      <p:nvGrpSpPr>
-        <p:cNvPr id="1" name=""/>
-        <p:cNvGrpSpPr/>
-        <p:nvPr/>
-      </p:nvGrpSpPr>
-      <p:grpSpPr>
-        <a:xfrm>
-          <a:off x="0" y="0"/>
-          <a:ext cx="0" cy="0"/>
-          <a:chOff x="0" y="0"/>
-          <a:chExt cx="0" cy="0"/>
-        </a:xfrm>
-      </p:grpSpPr>
-      <p:sp>
-        <p:nvSpPr>
-          <p:cNvPr id="2" name="Title 1">
-            <a:extLst>
-              <a:ext uri="{FF2B5EF4-FFF2-40B4-BE49-F238E27FC236}">
-                <a16:creationId xmlns:a16="http://schemas.microsoft.com/office/drawing/2014/main" id="{A925E85C-5C72-4323-A311-F6BD2FFAF2B0}"/>
-              </a:ext>
-            </a:extLst>
-          </p:cNvPr>
-          <p:cNvSpPr>
-            <a:spLocks noGrp="1"/>
-          </p:cNvSpPr>
-          <p:nvPr>
-            <p:ph type="title"/>
-          </p:nvPr>
-        </p:nvSpPr>
-        <p:spPr/>
-        <p:txBody>
-          <a:bodyPr/>
-          <a:lstStyle/>
-          <a:p>
-            <a:r>
-              <a:rPr lang="en-US" b="1" dirty="0"/>
-              <a:t>Features for Economic Loss</a:t>
-            </a:r>
-          </a:p>
-        </p:txBody>
-      </p:sp>
-      <p:sp>
-        <p:nvSpPr>
-          <p:cNvPr id="3" name="Content Placeholder 2">
-            <a:extLst>
-              <a:ext uri="{FF2B5EF4-FFF2-40B4-BE49-F238E27FC236}">
-                <a16:creationId xmlns:a16="http://schemas.microsoft.com/office/drawing/2014/main" id="{32B9D5CE-EAD9-466D-847D-F31CA4B5597B}"/>
-              </a:ext>
-            </a:extLst>
-          </p:cNvPr>
-          <p:cNvSpPr>
-            <a:spLocks noGrp="1"/>
-          </p:cNvSpPr>
-          <p:nvPr>
-            <p:ph idx="1"/>
-          </p:nvPr>
-        </p:nvSpPr>
-        <p:spPr/>
-        <p:txBody>
-          <a:bodyPr>
-            <a:normAutofit fontScale="92500" lnSpcReduction="20000"/>
-          </a:bodyPr>
-          <a:lstStyle/>
-          <a:p>
-            <a:pPr marL="0" indent="0" algn="l" rtl="0" fontAlgn="base">
-              <a:buNone/>
-            </a:pPr>
-            <a:r>
-              <a:rPr lang="en-US" sz="2000" b="1" i="0" dirty="0">
-                <a:effectLst/>
-              </a:rPr>
-              <a:t>GDP</a:t>
-            </a:r>
-            <a:r>
-              <a:rPr lang="en-US" sz="2000" b="0" i="0" dirty="0">
-                <a:effectLst/>
-              </a:rPr>
-              <a:t>  </a:t>
-            </a:r>
-          </a:p>
-          <a:p>
-            <a:pPr lvl="1" fontAlgn="base"/>
-            <a:r>
-              <a:rPr lang="en-US" sz="2000" b="0" i="0" dirty="0">
-                <a:effectLst/>
-              </a:rPr>
-              <a:t>Federal Reserve uses real GDP and other related economic indicators to adjust monetary policy. </a:t>
-            </a:r>
-          </a:p>
-          <a:p>
-            <a:pPr marL="0" indent="0" algn="l" rtl="0" fontAlgn="base">
-              <a:buNone/>
-            </a:pPr>
-            <a:r>
-              <a:rPr lang="en-US" sz="2000" b="1" i="0" dirty="0">
-                <a:effectLst/>
-              </a:rPr>
-              <a:t>Money Supply </a:t>
-            </a:r>
-          </a:p>
-          <a:p>
-            <a:pPr lvl="1" fontAlgn="base"/>
-            <a:r>
-              <a:rPr lang="en-US" sz="2000" b="0" i="0" dirty="0">
-                <a:effectLst/>
-              </a:rPr>
-              <a:t>Economists and others also use M2 data to predict cyclical economic recessions and recoveries, expected changes in stock prices, and expected changes in the Fed's monetary policy. </a:t>
-            </a:r>
-          </a:p>
-          <a:p>
-            <a:pPr marL="0" indent="0" algn="l" rtl="0" fontAlgn="base">
-              <a:buNone/>
-            </a:pPr>
-            <a:r>
-              <a:rPr lang="en-US" sz="2000" b="1" i="0" dirty="0">
-                <a:effectLst/>
-              </a:rPr>
-              <a:t>Consumer Price Index (CPI) </a:t>
-            </a:r>
-          </a:p>
-          <a:p>
-            <a:pPr lvl="1" fontAlgn="base"/>
-            <a:r>
-              <a:rPr lang="en-US" sz="2000" b="0" i="0" dirty="0">
-                <a:effectLst/>
-              </a:rPr>
-              <a:t>This statistic is the best indicator of inflation. Changes in inflation can spur the Fed to take action to change its monetary policy. </a:t>
-            </a:r>
-          </a:p>
-          <a:p>
-            <a:pPr marL="0" indent="0" algn="l" rtl="0" fontAlgn="base">
-              <a:buNone/>
-            </a:pPr>
-            <a:r>
-              <a:rPr lang="en-US" sz="2000" b="1" i="0" dirty="0">
-                <a:effectLst/>
-              </a:rPr>
-              <a:t>Current Employment Statistics (CES) </a:t>
-            </a:r>
-          </a:p>
-          <a:p>
-            <a:pPr lvl="1" fontAlgn="base"/>
-            <a:r>
-              <a:rPr lang="en-US" sz="2000" b="0" i="0" dirty="0">
-                <a:effectLst/>
-              </a:rPr>
-              <a:t>This is the earliest indicator of economic trends released each month. </a:t>
-            </a:r>
-          </a:p>
-          <a:p>
-            <a:pPr marL="0" indent="0" algn="l" rtl="0" fontAlgn="base">
-              <a:buNone/>
-            </a:pPr>
-            <a:r>
-              <a:rPr lang="en-US" sz="2000" b="1" i="0" dirty="0">
-                <a:effectLst/>
-              </a:rPr>
-              <a:t>S&amp;P 500 </a:t>
-            </a:r>
-          </a:p>
-          <a:p>
-            <a:pPr lvl="1" fontAlgn="base"/>
-            <a:r>
-              <a:rPr lang="en-US" sz="2000" b="0" i="0" dirty="0">
-                <a:effectLst/>
-              </a:rPr>
-              <a:t>The index is designed to measure changes in the stock prices of component companies. It is used as a measure of the nation's stock of capital, as well as a gauge of future business and consumer confidence levels. Growth of the S&amp;P 500 index can translate into growth of business investment. </a:t>
-            </a:r>
-            <a:br>
-              <a:rPr lang="en-US" sz="1800" b="0" i="0" dirty="0">
-                <a:effectLst/>
-              </a:rPr>
-            </a:br>
-            <a:endParaRPr lang="en-US" dirty="0"/>
-          </a:p>
-        </p:txBody>
-      </p:sp>
-    </p:spTree>
-    <p:extLst>
-      <p:ext uri="{BB962C8B-B14F-4D97-AF65-F5344CB8AC3E}">
-        <p14:creationId xmlns:p14="http://schemas.microsoft.com/office/powerpoint/2010/main" val="378387447"/>
-      </p:ext>
-    </p:extLst>
-  </p:cSld>
-  <p:clrMapOvr>
-    <a:masterClrMapping/>
-  </p:clrMapOvr>
-</p:sld>
-</file>
-
-<file path=ppt/slides/slide7.xml><?xml version="1.0" encoding="utf-8"?>
-<p:sld xmlns:a="http://schemas.openxmlformats.org/drawingml/2006/main" xmlns:r="http://schemas.openxmlformats.org/officeDocument/2006/relationships" xmlns:p="http://schemas.openxmlformats.org/presentationml/2006/main">
-  <p:cSld>
-    <p:spTree>
-      <p:nvGrpSpPr>
-        <p:cNvPr id="1" name=""/>
-        <p:cNvGrpSpPr/>
-        <p:nvPr/>
-      </p:nvGrpSpPr>
-      <p:grpSpPr>
-        <a:xfrm>
-          <a:off x="0" y="0"/>
-          <a:ext cx="0" cy="0"/>
-          <a:chOff x="0" y="0"/>
-          <a:chExt cx="0" cy="0"/>
-        </a:xfrm>
-      </p:grpSpPr>
-      <p:sp>
-        <p:nvSpPr>
-          <p:cNvPr id="2" name="Title 1">
-            <a:extLst>
-              <a:ext uri="{FF2B5EF4-FFF2-40B4-BE49-F238E27FC236}">
-                <a16:creationId xmlns:a16="http://schemas.microsoft.com/office/drawing/2014/main" id="{C56C36D3-D337-4A43-B667-66E612E0EA53}"/>
-              </a:ext>
-            </a:extLst>
-          </p:cNvPr>
-          <p:cNvSpPr>
-            <a:spLocks noGrp="1"/>
-          </p:cNvSpPr>
-          <p:nvPr>
-            <p:ph type="title"/>
-          </p:nvPr>
-        </p:nvSpPr>
-        <p:spPr/>
-        <p:txBody>
-          <a:bodyPr/>
-          <a:lstStyle/>
-          <a:p>
-            <a:r>
-              <a:rPr lang="en-US" b="1" dirty="0"/>
-              <a:t>Evaluation Metrics</a:t>
-            </a:r>
-          </a:p>
-        </p:txBody>
-      </p:sp>
-      <p:sp>
-        <p:nvSpPr>
-          <p:cNvPr id="3" name="Content Placeholder 2">
-            <a:extLst>
-              <a:ext uri="{FF2B5EF4-FFF2-40B4-BE49-F238E27FC236}">
-                <a16:creationId xmlns:a16="http://schemas.microsoft.com/office/drawing/2014/main" id="{74961C62-49B3-423F-AC4A-DDD6880DDF45}"/>
-              </a:ext>
-            </a:extLst>
-          </p:cNvPr>
-          <p:cNvSpPr>
-            <a:spLocks noGrp="1"/>
-          </p:cNvSpPr>
-          <p:nvPr>
-            <p:ph idx="1"/>
-          </p:nvPr>
-        </p:nvSpPr>
-        <p:spPr>
-          <a:xfrm>
-            <a:off x="295471" y="1844287"/>
-            <a:ext cx="10515600" cy="4351338"/>
-          </a:xfrm>
-        </p:spPr>
-        <p:txBody>
-          <a:bodyPr>
-            <a:normAutofit/>
-          </a:bodyPr>
-          <a:lstStyle/>
-          <a:p>
-            <a:r>
-              <a:rPr lang="en-US" sz="2000" dirty="0"/>
-              <a:t>Accuracy</a:t>
-            </a:r>
-          </a:p>
-          <a:p>
-            <a:r>
-              <a:rPr lang="en-US" sz="2000" dirty="0"/>
-              <a:t>Confusion Matrix (False Positive, False Negative)</a:t>
-            </a:r>
-          </a:p>
-          <a:p>
-            <a:r>
-              <a:rPr lang="en-US" sz="2000" b="1" dirty="0"/>
-              <a:t>Pierce Skill Score (PSS)</a:t>
-            </a:r>
-          </a:p>
-          <a:p>
-            <a:r>
-              <a:rPr lang="en-US" sz="2000" dirty="0"/>
-              <a:t>Probability of Detection (POD)</a:t>
-            </a:r>
-          </a:p>
-          <a:p>
-            <a:r>
-              <a:rPr lang="en-US" sz="2000" dirty="0"/>
-              <a:t>False Alarm Ratio (FAR)</a:t>
-            </a:r>
-          </a:p>
-          <a:p>
-            <a:r>
-              <a:rPr lang="en-US" sz="2000" dirty="0"/>
-              <a:t>Brier Score</a:t>
-            </a:r>
-          </a:p>
-          <a:p>
-            <a:pPr lvl="1"/>
-            <a:r>
-              <a:rPr lang="en-US" sz="1600" dirty="0"/>
-              <a:t>accuracy of probabilistic predictions</a:t>
-            </a:r>
-          </a:p>
-          <a:p>
-            <a:r>
-              <a:rPr lang="en-US" sz="2000" dirty="0"/>
-              <a:t>F1</a:t>
-            </a:r>
-          </a:p>
-          <a:p>
-            <a:r>
-              <a:rPr lang="en-US" sz="2000" dirty="0"/>
-              <a:t>Precision</a:t>
-            </a:r>
-          </a:p>
-          <a:p>
-            <a:endParaRPr lang="en-US" sz="2000" dirty="0"/>
-          </a:p>
-        </p:txBody>
-      </p:sp>
-      <p:pic>
-        <p:nvPicPr>
-          <p:cNvPr id="4" name="Picture 3">
-            <a:extLst>
-              <a:ext uri="{FF2B5EF4-FFF2-40B4-BE49-F238E27FC236}">
-                <a16:creationId xmlns:a16="http://schemas.microsoft.com/office/drawing/2014/main" id="{B7DF1062-1411-4BD6-AE33-0A6189EDBA1B}"/>
-              </a:ext>
-            </a:extLst>
-          </p:cNvPr>
-          <p:cNvPicPr>
-            <a:picLocks noChangeAspect="1"/>
-          </p:cNvPicPr>
-          <p:nvPr/>
-        </p:nvPicPr>
-        <p:blipFill>
-          <a:blip r:embed="rId2"/>
-          <a:stretch>
-            <a:fillRect/>
-          </a:stretch>
-        </p:blipFill>
-        <p:spPr>
-          <a:xfrm>
-            <a:off x="4703433" y="2898322"/>
-            <a:ext cx="7328003" cy="2809881"/>
-          </a:xfrm>
-          <a:prstGeom prst="rect">
-            <a:avLst/>
-          </a:prstGeom>
-        </p:spPr>
-      </p:pic>
-    </p:spTree>
-    <p:extLst>
-      <p:ext uri="{BB962C8B-B14F-4D97-AF65-F5344CB8AC3E}">
-        <p14:creationId xmlns:p14="http://schemas.microsoft.com/office/powerpoint/2010/main" val="2362066188"/>
-      </p:ext>
-    </p:extLst>
-  </p:cSld>
-  <p:clrMapOvr>
-    <a:masterClrMapping/>
-  </p:clrMapOvr>
-</p:sld>
-</file>
-
-<file path=ppt/slides/slide8.xml><?xml version="1.0" encoding="utf-8"?>
-<p:sld xmlns:a="http://schemas.openxmlformats.org/drawingml/2006/main" xmlns:r="http://schemas.openxmlformats.org/officeDocument/2006/relationships" xmlns:p="http://schemas.openxmlformats.org/presentationml/2006/main">
-  <p:cSld>
-    <p:spTree>
-      <p:nvGrpSpPr>
-        <p:cNvPr id="1" name=""/>
-        <p:cNvGrpSpPr/>
-        <p:nvPr/>
-      </p:nvGrpSpPr>
-      <p:grpSpPr>
-        <a:xfrm>
-          <a:off x="0" y="0"/>
-          <a:ext cx="0" cy="0"/>
-          <a:chOff x="0" y="0"/>
-          <a:chExt cx="0" cy="0"/>
-        </a:xfrm>
-      </p:grpSpPr>
-      <p:sp>
-        <p:nvSpPr>
-          <p:cNvPr id="2" name="Title 1">
-            <a:extLst>
-              <a:ext uri="{FF2B5EF4-FFF2-40B4-BE49-F238E27FC236}">
-                <a16:creationId xmlns:a16="http://schemas.microsoft.com/office/drawing/2014/main" id="{C56C36D3-D337-4A43-B667-66E612E0EA53}"/>
-              </a:ext>
-            </a:extLst>
-          </p:cNvPr>
-          <p:cNvSpPr>
-            <a:spLocks noGrp="1"/>
-          </p:cNvSpPr>
-          <p:nvPr>
-            <p:ph type="title"/>
-          </p:nvPr>
-        </p:nvSpPr>
-        <p:spPr/>
-        <p:txBody>
-          <a:bodyPr/>
-          <a:lstStyle/>
-          <a:p>
-            <a:r>
-              <a:rPr lang="en-US" b="1" dirty="0"/>
-              <a:t>Machine Learning Improvements</a:t>
+              <a:t>)</a:t>
             </a:r>
           </a:p>
         </p:txBody>
@@ -5462,7 +4469,7 @@
             </p:nvSpPr>
             <p:spPr>
               <a:xfrm>
-                <a:off x="4784845" y="2240775"/>
+                <a:off x="5049197" y="2921158"/>
                 <a:ext cx="6813884" cy="547650"/>
               </a:xfrm>
               <a:prstGeom prst="rect">
@@ -5476,6 +4483,7 @@
               </a:bodyPr>
               <a:lstStyle/>
               <a:p>
+                <a:pPr/>
                 <a14:m>
                   <m:oMathPara xmlns:m="http://schemas.openxmlformats.org/officeDocument/2006/math">
                     <m:oMathParaPr>
@@ -5486,7 +4494,7 @@
                         <a:rPr lang="en-US" b="0" i="1" smtClean="0">
                           <a:latin typeface="Cambria Math" panose="02040503050406030204" pitchFamily="18" charset="0"/>
                         </a:rPr>
-                        <m:t>𝑉𝑎𝑟𝑖𝑎𝑡𝑖𝑜𝑛</m:t>
+                        <m:t>𝑁𝑢𝑚𝑏𝑒𝑟</m:t>
                       </m:r>
                       <m:r>
                         <a:rPr lang="en-US" b="0" i="1" smtClean="0">
@@ -5510,7 +4518,7 @@
                         <a:rPr lang="en-US" b="0" i="1" smtClean="0">
                           <a:latin typeface="Cambria Math" panose="02040503050406030204" pitchFamily="18" charset="0"/>
                         </a:rPr>
-                        <m:t>𝑂𝑢𝑡𝑝𝑢𝑡</m:t>
+                        <m:t>𝑂𝑢𝑡𝑝𝑢𝑡𝑠</m:t>
                       </m:r>
                       <m:r>
                         <a:rPr lang="en-US" b="0" i="1" smtClean="0">
@@ -5616,7 +4624,7 @@
             </p:nvSpPr>
             <p:spPr>
               <a:xfrm>
-                <a:off x="4784845" y="2240775"/>
+                <a:off x="5049197" y="2921158"/>
                 <a:ext cx="6813884" cy="547650"/>
               </a:xfrm>
               <a:prstGeom prst="rect">
@@ -5625,7 +4633,7 @@
               <a:blipFill>
                 <a:blip r:embed="rId2"/>
                 <a:stretch>
-                  <a:fillRect t="-1124" b="-17978"/>
+                  <a:fillRect b="-16667"/>
                 </a:stretch>
               </a:blipFill>
             </p:spPr>
@@ -5692,7 +4700,7 @@
 </p:sld>
 </file>
 
-<file path=ppt/slides/slide9.xml><?xml version="1.0" encoding="utf-8"?>
+<file path=ppt/slides/slide13.xml><?xml version="1.0" encoding="utf-8"?>
 <p:sld xmlns:a="http://schemas.openxmlformats.org/drawingml/2006/main" xmlns:r="http://schemas.openxmlformats.org/officeDocument/2006/relationships" xmlns:p="http://schemas.openxmlformats.org/presentationml/2006/main">
   <p:cSld>
     <p:spTree>
@@ -5714,6 +4722,257 @@
           <p:cNvPr id="2" name="Title 1">
             <a:extLst>
               <a:ext uri="{FF2B5EF4-FFF2-40B4-BE49-F238E27FC236}">
+                <a16:creationId xmlns:a16="http://schemas.microsoft.com/office/drawing/2014/main" id="{A920CDD8-8DBE-429E-86FA-08D93DE8EED0}"/>
+              </a:ext>
+            </a:extLst>
+          </p:cNvPr>
+          <p:cNvSpPr>
+            <a:spLocks noGrp="1"/>
+          </p:cNvSpPr>
+          <p:nvPr>
+            <p:ph type="title"/>
+          </p:nvPr>
+        </p:nvSpPr>
+        <p:spPr>
+          <a:xfrm>
+            <a:off x="794864" y="187445"/>
+            <a:ext cx="10515600" cy="1325563"/>
+          </a:xfrm>
+        </p:spPr>
+        <p:txBody>
+          <a:bodyPr/>
+          <a:lstStyle/>
+          <a:p>
+            <a:r>
+              <a:rPr lang="en-US" b="1" dirty="0"/>
+              <a:t>RI Prediction Model Summary (</a:t>
+            </a:r>
+            <a:r>
+              <a:rPr lang="en-US" b="1" dirty="0" err="1"/>
+              <a:t>Kooha</a:t>
+            </a:r>
+            <a:r>
+              <a:rPr lang="en-US" b="1" dirty="0"/>
+              <a:t>)</a:t>
+            </a:r>
+          </a:p>
+        </p:txBody>
+      </p:sp>
+      <p:sp>
+        <p:nvSpPr>
+          <p:cNvPr id="3" name="Content Placeholder 2">
+            <a:extLst>
+              <a:ext uri="{FF2B5EF4-FFF2-40B4-BE49-F238E27FC236}">
+                <a16:creationId xmlns:a16="http://schemas.microsoft.com/office/drawing/2014/main" id="{4F904B8C-FE03-4BA0-B0AA-2FAE98542FE1}"/>
+              </a:ext>
+            </a:extLst>
+          </p:cNvPr>
+          <p:cNvSpPr>
+            <a:spLocks noGrp="1"/>
+          </p:cNvSpPr>
+          <p:nvPr>
+            <p:ph idx="1"/>
+          </p:nvPr>
+        </p:nvSpPr>
+        <p:spPr>
+          <a:xfrm>
+            <a:off x="838200" y="1426929"/>
+            <a:ext cx="10515600" cy="4351338"/>
+          </a:xfrm>
+        </p:spPr>
+        <p:txBody>
+          <a:bodyPr>
+            <a:normAutofit/>
+          </a:bodyPr>
+          <a:lstStyle/>
+          <a:p>
+            <a:pPr marL="0" indent="0">
+              <a:buNone/>
+            </a:pPr>
+            <a:r>
+              <a:rPr lang="en-US" sz="2400" b="1" dirty="0"/>
+              <a:t>Purpose</a:t>
+            </a:r>
+            <a:r>
+              <a:rPr lang="en-US" sz="2400" dirty="0"/>
+              <a:t>: </a:t>
+            </a:r>
+          </a:p>
+          <a:p>
+            <a:r>
+              <a:rPr lang="en-US" sz="1800" dirty="0"/>
+              <a:t>To build most effective model to predict RI classification (RI or non-RI) of hurricanes using SHIPs data</a:t>
+            </a:r>
+          </a:p>
+          <a:p>
+            <a:pPr marL="0" indent="0">
+              <a:buNone/>
+            </a:pPr>
+            <a:r>
+              <a:rPr lang="en-US" sz="2400" b="1" dirty="0"/>
+              <a:t>Methodology</a:t>
+            </a:r>
+            <a:r>
+              <a:rPr lang="en-US" sz="2400" dirty="0"/>
+              <a:t>:</a:t>
+            </a:r>
+          </a:p>
+          <a:p>
+            <a:r>
+              <a:rPr lang="en-US" sz="1800" dirty="0"/>
+              <a:t>Multiple models was created using different sampling methods, predictor sets, and machine learning types</a:t>
+            </a:r>
+          </a:p>
+          <a:p>
+            <a:r>
+              <a:rPr lang="en-US" sz="1800" dirty="0"/>
+              <a:t>Each model was evaluated using evaluation metrics such as: PSS, FAR, POD, F1, etc.</a:t>
+            </a:r>
+          </a:p>
+          <a:p>
+            <a:pPr marL="0" lvl="0" indent="0">
+              <a:buNone/>
+            </a:pPr>
+            <a:r>
+              <a:rPr lang="en-US" sz="2400" b="1" dirty="0">
+                <a:solidFill>
+                  <a:prstClr val="black"/>
+                </a:solidFill>
+              </a:rPr>
+              <a:t>Conclusion</a:t>
+            </a:r>
+            <a:r>
+              <a:rPr lang="en-US" sz="2400" dirty="0">
+                <a:solidFill>
+                  <a:prstClr val="black"/>
+                </a:solidFill>
+              </a:rPr>
+              <a:t>:</a:t>
+            </a:r>
+          </a:p>
+          <a:p>
+            <a:pPr lvl="0"/>
+            <a:r>
+              <a:rPr lang="en-US" sz="1800" dirty="0">
+                <a:solidFill>
+                  <a:prstClr val="black"/>
+                </a:solidFill>
+              </a:rPr>
+              <a:t>Models with the highest Pierce Score (PSS) had characteristics of:</a:t>
+            </a:r>
+          </a:p>
+          <a:p>
+            <a:pPr lvl="1"/>
+            <a:r>
+              <a:rPr lang="en-US" sz="1400" dirty="0">
+                <a:solidFill>
+                  <a:prstClr val="black"/>
+                </a:solidFill>
+              </a:rPr>
+              <a:t>Over/</a:t>
+            </a:r>
+            <a:r>
+              <a:rPr lang="en-US" sz="1400" dirty="0" err="1">
+                <a:solidFill>
+                  <a:prstClr val="black"/>
+                </a:solidFill>
+              </a:rPr>
+              <a:t>Undersamping</a:t>
+            </a:r>
+            <a:endParaRPr lang="en-US" sz="1400" dirty="0">
+              <a:solidFill>
+                <a:prstClr val="black"/>
+              </a:solidFill>
+            </a:endParaRPr>
+          </a:p>
+          <a:p>
+            <a:pPr lvl="1"/>
+            <a:r>
+              <a:rPr lang="en-US" sz="1400" dirty="0">
+                <a:solidFill>
+                  <a:prstClr val="black"/>
+                </a:solidFill>
+              </a:rPr>
+              <a:t>Data Set 3</a:t>
+            </a:r>
+          </a:p>
+          <a:p>
+            <a:pPr lvl="1"/>
+            <a:r>
+              <a:rPr lang="en-US" sz="1400" dirty="0"/>
+              <a:t>Logistic </a:t>
+            </a:r>
+            <a:r>
+              <a:rPr lang="en-US" sz="1600" dirty="0"/>
+              <a:t>Regression or Decision Tree Modeling</a:t>
+            </a:r>
+          </a:p>
+        </p:txBody>
+      </p:sp>
+      <p:pic>
+        <p:nvPicPr>
+          <p:cNvPr id="5" name="Picture 4">
+            <a:extLst>
+              <a:ext uri="{FF2B5EF4-FFF2-40B4-BE49-F238E27FC236}">
+                <a16:creationId xmlns:a16="http://schemas.microsoft.com/office/drawing/2014/main" id="{72C1066F-35D1-4F22-ABF2-59C7595029CB}"/>
+              </a:ext>
+            </a:extLst>
+          </p:cNvPr>
+          <p:cNvPicPr>
+            <a:picLocks noChangeAspect="1"/>
+          </p:cNvPicPr>
+          <p:nvPr/>
+        </p:nvPicPr>
+        <p:blipFill rotWithShape="1">
+          <a:blip r:embed="rId2"/>
+          <a:srcRect l="8058" t="14967" r="-518" b="40934"/>
+          <a:stretch/>
+        </p:blipFill>
+        <p:spPr>
+          <a:xfrm>
+            <a:off x="1974698" y="5244800"/>
+            <a:ext cx="8008585" cy="1394351"/>
+          </a:xfrm>
+          <a:prstGeom prst="rect">
+            <a:avLst/>
+          </a:prstGeom>
+        </p:spPr>
+      </p:pic>
+    </p:spTree>
+    <p:extLst>
+      <p:ext uri="{BB962C8B-B14F-4D97-AF65-F5344CB8AC3E}">
+        <p14:creationId xmlns:p14="http://schemas.microsoft.com/office/powerpoint/2010/main" val="3692045742"/>
+      </p:ext>
+    </p:extLst>
+  </p:cSld>
+  <p:clrMapOvr>
+    <a:masterClrMapping/>
+  </p:clrMapOvr>
+</p:sld>
+</file>
+
+<file path=ppt/slides/slide14.xml><?xml version="1.0" encoding="utf-8"?>
+<p:sld xmlns:a="http://schemas.openxmlformats.org/drawingml/2006/main" xmlns:r="http://schemas.openxmlformats.org/officeDocument/2006/relationships" xmlns:p="http://schemas.openxmlformats.org/presentationml/2006/main">
+  <p:cSld>
+    <p:spTree>
+      <p:nvGrpSpPr>
+        <p:cNvPr id="1" name=""/>
+        <p:cNvGrpSpPr/>
+        <p:nvPr/>
+      </p:nvGrpSpPr>
+      <p:grpSpPr>
+        <a:xfrm>
+          <a:off x="0" y="0"/>
+          <a:ext cx="0" cy="0"/>
+          <a:chOff x="0" y="0"/>
+          <a:chExt cx="0" cy="0"/>
+        </a:xfrm>
+      </p:grpSpPr>
+      <p:sp>
+        <p:nvSpPr>
+          <p:cNvPr id="2" name="Title 1">
+            <a:extLst>
+              <a:ext uri="{FF2B5EF4-FFF2-40B4-BE49-F238E27FC236}">
                 <a16:creationId xmlns:a16="http://schemas.microsoft.com/office/drawing/2014/main" id="{C56C36D3-D337-4A43-B667-66E612E0EA53}"/>
               </a:ext>
             </a:extLst>
@@ -5737,7 +4996,15 @@
           <a:p>
             <a:r>
               <a:rPr lang="en-US" b="1" dirty="0"/>
-              <a:t>Machine Learning Improvements</a:t>
+              <a:t>Machine Learning Improvements (</a:t>
+            </a:r>
+            <a:r>
+              <a:rPr lang="en-US" b="1" dirty="0" err="1"/>
+              <a:t>Wanying</a:t>
+            </a:r>
+            <a:r>
+              <a:rPr lang="en-US" b="1" dirty="0"/>
+              <a:t>)</a:t>
             </a:r>
           </a:p>
         </p:txBody>
@@ -9204,6 +8471,1487 @@
     <p:extLst>
       <p:ext uri="{BB962C8B-B14F-4D97-AF65-F5344CB8AC3E}">
         <p14:creationId xmlns:p14="http://schemas.microsoft.com/office/powerpoint/2010/main" val="1142532156"/>
+      </p:ext>
+    </p:extLst>
+  </p:cSld>
+  <p:clrMapOvr>
+    <a:masterClrMapping/>
+  </p:clrMapOvr>
+</p:sld>
+</file>
+
+<file path=ppt/slides/slide15.xml><?xml version="1.0" encoding="utf-8"?>
+<p:sld xmlns:a="http://schemas.openxmlformats.org/drawingml/2006/main" xmlns:r="http://schemas.openxmlformats.org/officeDocument/2006/relationships" xmlns:p="http://schemas.openxmlformats.org/presentationml/2006/main">
+  <p:cSld>
+    <p:spTree>
+      <p:nvGrpSpPr>
+        <p:cNvPr id="1" name=""/>
+        <p:cNvGrpSpPr/>
+        <p:nvPr/>
+      </p:nvGrpSpPr>
+      <p:grpSpPr>
+        <a:xfrm>
+          <a:off x="0" y="0"/>
+          <a:ext cx="0" cy="0"/>
+          <a:chOff x="0" y="0"/>
+          <a:chExt cx="0" cy="0"/>
+        </a:xfrm>
+      </p:grpSpPr>
+      <p:sp>
+        <p:nvSpPr>
+          <p:cNvPr id="2" name="Title 1">
+            <a:extLst>
+              <a:ext uri="{FF2B5EF4-FFF2-40B4-BE49-F238E27FC236}">
+                <a16:creationId xmlns:a16="http://schemas.microsoft.com/office/drawing/2014/main" id="{4D453FB1-F567-428A-BE81-A9113B446346}"/>
+              </a:ext>
+            </a:extLst>
+          </p:cNvPr>
+          <p:cNvSpPr>
+            <a:spLocks noGrp="1"/>
+          </p:cNvSpPr>
+          <p:nvPr>
+            <p:ph type="title"/>
+          </p:nvPr>
+        </p:nvSpPr>
+        <p:spPr/>
+        <p:txBody>
+          <a:bodyPr/>
+          <a:lstStyle/>
+          <a:p>
+            <a:r>
+              <a:rPr lang="en-US" b="1" dirty="0"/>
+              <a:t>Prediction ML Model (Economic Loss)</a:t>
+            </a:r>
+          </a:p>
+        </p:txBody>
+      </p:sp>
+      <p:sp>
+        <p:nvSpPr>
+          <p:cNvPr id="3" name="Content Placeholder 2">
+            <a:extLst>
+              <a:ext uri="{FF2B5EF4-FFF2-40B4-BE49-F238E27FC236}">
+                <a16:creationId xmlns:a16="http://schemas.microsoft.com/office/drawing/2014/main" id="{E490BB96-2062-47E6-ACB8-84F63E541F3A}"/>
+              </a:ext>
+            </a:extLst>
+          </p:cNvPr>
+          <p:cNvSpPr>
+            <a:spLocks noGrp="1"/>
+          </p:cNvSpPr>
+          <p:nvPr>
+            <p:ph idx="1"/>
+          </p:nvPr>
+        </p:nvSpPr>
+        <p:spPr/>
+        <p:txBody>
+          <a:bodyPr/>
+          <a:lstStyle/>
+          <a:p>
+            <a:r>
+              <a:rPr lang="en-US" dirty="0"/>
+              <a:t>Data Set</a:t>
+            </a:r>
+          </a:p>
+          <a:p>
+            <a:pPr lvl="1"/>
+            <a:r>
+              <a:rPr lang="en-US" dirty="0"/>
+              <a:t>icatdamageestimator.com/</a:t>
+            </a:r>
+            <a:r>
+              <a:rPr lang="en-US" dirty="0" err="1"/>
+              <a:t>viewdata</a:t>
+            </a:r>
+            <a:endParaRPr lang="en-US" dirty="0"/>
+          </a:p>
+          <a:p>
+            <a:pPr lvl="1"/>
+            <a:r>
+              <a:rPr lang="en-US" dirty="0"/>
+              <a:t>N = 59 (one for each storm)</a:t>
+            </a:r>
+          </a:p>
+          <a:p>
+            <a:pPr lvl="1"/>
+            <a:r>
+              <a:rPr lang="en-US" dirty="0"/>
+              <a:t>Predictand  = Current Damage ($) (2020)</a:t>
+            </a:r>
+          </a:p>
+          <a:p>
+            <a:pPr lvl="1"/>
+            <a:endParaRPr lang="en-US" dirty="0"/>
+          </a:p>
+          <a:p>
+            <a:pPr lvl="1"/>
+            <a:endParaRPr lang="en-US" dirty="0"/>
+          </a:p>
+        </p:txBody>
+      </p:sp>
+      <p:pic>
+        <p:nvPicPr>
+          <p:cNvPr id="2050" name="Picture 2">
+            <a:extLst>
+              <a:ext uri="{FF2B5EF4-FFF2-40B4-BE49-F238E27FC236}">
+                <a16:creationId xmlns:a16="http://schemas.microsoft.com/office/drawing/2014/main" id="{2545522F-2D21-4E50-B106-54C9A1E86B0D}"/>
+              </a:ext>
+            </a:extLst>
+          </p:cNvPr>
+          <p:cNvPicPr>
+            <a:picLocks noChangeAspect="1" noChangeArrowheads="1"/>
+          </p:cNvPicPr>
+          <p:nvPr/>
+        </p:nvPicPr>
+        <p:blipFill>
+          <a:blip r:embed="rId2">
+            <a:extLst>
+              <a:ext uri="{28A0092B-C50C-407E-A947-70E740481C1C}">
+                <a14:useLocalDpi xmlns:a14="http://schemas.microsoft.com/office/drawing/2010/main" val="0"/>
+              </a:ext>
+            </a:extLst>
+          </a:blip>
+          <a:srcRect/>
+          <a:stretch>
+            <a:fillRect/>
+          </a:stretch>
+        </p:blipFill>
+        <p:spPr bwMode="auto">
+          <a:xfrm>
+            <a:off x="652846" y="4001294"/>
+            <a:ext cx="5162550" cy="1933575"/>
+          </a:xfrm>
+          <a:prstGeom prst="rect">
+            <a:avLst/>
+          </a:prstGeom>
+          <a:noFill/>
+          <a:extLst>
+            <a:ext uri="{909E8E84-426E-40DD-AFC4-6F175D3DCCD1}">
+              <a14:hiddenFill xmlns:a14="http://schemas.microsoft.com/office/drawing/2010/main">
+                <a:solidFill>
+                  <a:srgbClr val="FFFFFF"/>
+                </a:solidFill>
+              </a14:hiddenFill>
+            </a:ext>
+          </a:extLst>
+        </p:spPr>
+      </p:pic>
+      <p:pic>
+        <p:nvPicPr>
+          <p:cNvPr id="2052" name="Picture 4">
+            <a:extLst>
+              <a:ext uri="{FF2B5EF4-FFF2-40B4-BE49-F238E27FC236}">
+                <a16:creationId xmlns:a16="http://schemas.microsoft.com/office/drawing/2014/main" id="{C219CB39-74AD-4391-B9DE-777D889F1192}"/>
+              </a:ext>
+            </a:extLst>
+          </p:cNvPr>
+          <p:cNvPicPr>
+            <a:picLocks noChangeAspect="1" noChangeArrowheads="1"/>
+          </p:cNvPicPr>
+          <p:nvPr/>
+        </p:nvPicPr>
+        <p:blipFill>
+          <a:blip r:embed="rId3">
+            <a:extLst>
+              <a:ext uri="{28A0092B-C50C-407E-A947-70E740481C1C}">
+                <a14:useLocalDpi xmlns:a14="http://schemas.microsoft.com/office/drawing/2010/main" val="0"/>
+              </a:ext>
+            </a:extLst>
+          </a:blip>
+          <a:srcRect/>
+          <a:stretch>
+            <a:fillRect/>
+          </a:stretch>
+        </p:blipFill>
+        <p:spPr bwMode="auto">
+          <a:xfrm>
+            <a:off x="6273969" y="4001294"/>
+            <a:ext cx="5381625" cy="2009775"/>
+          </a:xfrm>
+          <a:prstGeom prst="rect">
+            <a:avLst/>
+          </a:prstGeom>
+          <a:noFill/>
+          <a:extLst>
+            <a:ext uri="{909E8E84-426E-40DD-AFC4-6F175D3DCCD1}">
+              <a14:hiddenFill xmlns:a14="http://schemas.microsoft.com/office/drawing/2010/main">
+                <a:solidFill>
+                  <a:srgbClr val="FFFFFF"/>
+                </a:solidFill>
+              </a14:hiddenFill>
+            </a:ext>
+          </a:extLst>
+        </p:spPr>
+      </p:pic>
+      <p:sp>
+        <p:nvSpPr>
+          <p:cNvPr id="4" name="Rectangle 3">
+            <a:extLst>
+              <a:ext uri="{FF2B5EF4-FFF2-40B4-BE49-F238E27FC236}">
+                <a16:creationId xmlns:a16="http://schemas.microsoft.com/office/drawing/2014/main" id="{EC94006F-F5E8-4C92-8CA0-8770855DF445}"/>
+              </a:ext>
+            </a:extLst>
+          </p:cNvPr>
+          <p:cNvSpPr/>
+          <p:nvPr/>
+        </p:nvSpPr>
+        <p:spPr>
+          <a:xfrm>
+            <a:off x="1492212" y="3759200"/>
+            <a:ext cx="4425820" cy="923330"/>
+          </a:xfrm>
+          <a:prstGeom prst="rect">
+            <a:avLst/>
+          </a:prstGeom>
+        </p:spPr>
+        <p:txBody>
+          <a:bodyPr wrap="square">
+            <a:spAutoFit/>
+          </a:bodyPr>
+          <a:lstStyle/>
+          <a:p>
+            <a:pPr marL="457200"/>
+            <a:r>
+              <a:rPr lang="en-US">
+                <a:solidFill>
+                  <a:srgbClr val="000000"/>
+                </a:solidFill>
+                <a:latin typeface="Arial" panose="020B0604020202020204" pitchFamily="34" charset="0"/>
+              </a:rPr>
+              <a:t>Random Forest Regressor:</a:t>
+            </a:r>
+            <a:endParaRPr lang="en-US" b="0">
+              <a:effectLst/>
+            </a:endParaRPr>
+          </a:p>
+          <a:p>
+            <a:br>
+              <a:rPr lang="en-US"/>
+            </a:br>
+            <a:endParaRPr lang="en-US" dirty="0"/>
+          </a:p>
+        </p:txBody>
+      </p:sp>
+      <p:sp>
+        <p:nvSpPr>
+          <p:cNvPr id="5" name="Rectangle 4">
+            <a:extLst>
+              <a:ext uri="{FF2B5EF4-FFF2-40B4-BE49-F238E27FC236}">
+                <a16:creationId xmlns:a16="http://schemas.microsoft.com/office/drawing/2014/main" id="{0EDF6B0B-AA38-46C0-A6BD-4F7CF91E7172}"/>
+              </a:ext>
+            </a:extLst>
+          </p:cNvPr>
+          <p:cNvSpPr/>
+          <p:nvPr/>
+        </p:nvSpPr>
+        <p:spPr>
+          <a:xfrm>
+            <a:off x="7489372" y="3759200"/>
+            <a:ext cx="6096000" cy="923330"/>
+          </a:xfrm>
+          <a:prstGeom prst="rect">
+            <a:avLst/>
+          </a:prstGeom>
+        </p:spPr>
+        <p:txBody>
+          <a:bodyPr>
+            <a:spAutoFit/>
+          </a:bodyPr>
+          <a:lstStyle/>
+          <a:p>
+            <a:pPr marL="457200"/>
+            <a:r>
+              <a:rPr lang="en-US" dirty="0">
+                <a:solidFill>
+                  <a:srgbClr val="000000"/>
+                </a:solidFill>
+                <a:latin typeface="Arial" panose="020B0604020202020204" pitchFamily="34" charset="0"/>
+              </a:rPr>
+              <a:t>Linear Regression:</a:t>
+            </a:r>
+            <a:endParaRPr lang="en-US" b="0" dirty="0">
+              <a:effectLst/>
+            </a:endParaRPr>
+          </a:p>
+          <a:p>
+            <a:br>
+              <a:rPr lang="en-US" dirty="0"/>
+            </a:br>
+            <a:endParaRPr lang="en-US" dirty="0"/>
+          </a:p>
+        </p:txBody>
+      </p:sp>
+    </p:spTree>
+    <p:extLst>
+      <p:ext uri="{BB962C8B-B14F-4D97-AF65-F5344CB8AC3E}">
+        <p14:creationId xmlns:p14="http://schemas.microsoft.com/office/powerpoint/2010/main" val="763792112"/>
+      </p:ext>
+    </p:extLst>
+  </p:cSld>
+  <p:clrMapOvr>
+    <a:masterClrMapping/>
+  </p:clrMapOvr>
+</p:sld>
+</file>
+
+<file path=ppt/slides/slide16.xml><?xml version="1.0" encoding="utf-8"?>
+<p:sld xmlns:a="http://schemas.openxmlformats.org/drawingml/2006/main" xmlns:r="http://schemas.openxmlformats.org/officeDocument/2006/relationships" xmlns:p="http://schemas.openxmlformats.org/presentationml/2006/main">
+  <p:cSld>
+    <p:spTree>
+      <p:nvGrpSpPr>
+        <p:cNvPr id="1" name=""/>
+        <p:cNvGrpSpPr/>
+        <p:nvPr/>
+      </p:nvGrpSpPr>
+      <p:grpSpPr>
+        <a:xfrm>
+          <a:off x="0" y="0"/>
+          <a:ext cx="0" cy="0"/>
+          <a:chOff x="0" y="0"/>
+          <a:chExt cx="0" cy="0"/>
+        </a:xfrm>
+      </p:grpSpPr>
+      <p:sp>
+        <p:nvSpPr>
+          <p:cNvPr id="2" name="Title 1">
+            <a:extLst>
+              <a:ext uri="{FF2B5EF4-FFF2-40B4-BE49-F238E27FC236}">
+                <a16:creationId xmlns:a16="http://schemas.microsoft.com/office/drawing/2014/main" id="{A47C7B9D-A62B-44B5-B5ED-0BEA1AD44E4C}"/>
+              </a:ext>
+            </a:extLst>
+          </p:cNvPr>
+          <p:cNvSpPr>
+            <a:spLocks noGrp="1"/>
+          </p:cNvSpPr>
+          <p:nvPr>
+            <p:ph type="title"/>
+          </p:nvPr>
+        </p:nvSpPr>
+        <p:spPr/>
+        <p:txBody>
+          <a:bodyPr/>
+          <a:lstStyle/>
+          <a:p>
+            <a:r>
+              <a:rPr lang="en-US" b="1" dirty="0"/>
+              <a:t>Next Steps</a:t>
+            </a:r>
+          </a:p>
+        </p:txBody>
+      </p:sp>
+      <p:sp>
+        <p:nvSpPr>
+          <p:cNvPr id="3" name="Content Placeholder 2">
+            <a:extLst>
+              <a:ext uri="{FF2B5EF4-FFF2-40B4-BE49-F238E27FC236}">
+                <a16:creationId xmlns:a16="http://schemas.microsoft.com/office/drawing/2014/main" id="{A88B2BFF-F9E3-4EE7-BB8C-62DA29A7F677}"/>
+              </a:ext>
+            </a:extLst>
+          </p:cNvPr>
+          <p:cNvSpPr>
+            <a:spLocks noGrp="1"/>
+          </p:cNvSpPr>
+          <p:nvPr>
+            <p:ph idx="1"/>
+          </p:nvPr>
+        </p:nvSpPr>
+        <p:spPr/>
+        <p:txBody>
+          <a:bodyPr>
+            <a:normAutofit/>
+          </a:bodyPr>
+          <a:lstStyle/>
+          <a:p>
+            <a:r>
+              <a:rPr lang="en-US" dirty="0"/>
+              <a:t>Implementing Newly Found Features (Neel and </a:t>
+            </a:r>
+            <a:r>
+              <a:rPr lang="en-US" dirty="0" err="1"/>
+              <a:t>Akshay</a:t>
+            </a:r>
+            <a:r>
+              <a:rPr lang="en-US" dirty="0"/>
+              <a:t>) into the script</a:t>
+            </a:r>
+          </a:p>
+          <a:p>
+            <a:r>
+              <a:rPr lang="en-US" dirty="0"/>
+              <a:t>Combine two ML scripts together</a:t>
+            </a:r>
+          </a:p>
+          <a:p>
+            <a:r>
+              <a:rPr lang="en-US" dirty="0"/>
+              <a:t>Hyperparameter tuning and implementing different sampling methods for RI Prediction Model</a:t>
+            </a:r>
+          </a:p>
+          <a:p>
+            <a:r>
+              <a:rPr lang="en-US" dirty="0"/>
+              <a:t>Further build on Economic Loss Model</a:t>
+            </a:r>
+          </a:p>
+          <a:p>
+            <a:r>
+              <a:rPr lang="en-US" dirty="0"/>
+              <a:t> Any others?</a:t>
+            </a:r>
+          </a:p>
+          <a:p>
+            <a:endParaRPr lang="en-US" dirty="0"/>
+          </a:p>
+        </p:txBody>
+      </p:sp>
+    </p:spTree>
+    <p:extLst>
+      <p:ext uri="{BB962C8B-B14F-4D97-AF65-F5344CB8AC3E}">
+        <p14:creationId xmlns:p14="http://schemas.microsoft.com/office/powerpoint/2010/main" val="1724519151"/>
+      </p:ext>
+    </p:extLst>
+  </p:cSld>
+  <p:clrMapOvr>
+    <a:masterClrMapping/>
+  </p:clrMapOvr>
+</p:sld>
+</file>
+
+<file path=ppt/slides/slide2.xml><?xml version="1.0" encoding="utf-8"?>
+<p:sld xmlns:a="http://schemas.openxmlformats.org/drawingml/2006/main" xmlns:r="http://schemas.openxmlformats.org/officeDocument/2006/relationships" xmlns:p="http://schemas.openxmlformats.org/presentationml/2006/main">
+  <p:cSld>
+    <p:spTree>
+      <p:nvGrpSpPr>
+        <p:cNvPr id="1" name=""/>
+        <p:cNvGrpSpPr/>
+        <p:nvPr/>
+      </p:nvGrpSpPr>
+      <p:grpSpPr>
+        <a:xfrm>
+          <a:off x="0" y="0"/>
+          <a:ext cx="0" cy="0"/>
+          <a:chOff x="0" y="0"/>
+          <a:chExt cx="0" cy="0"/>
+        </a:xfrm>
+      </p:grpSpPr>
+      <p:sp>
+        <p:nvSpPr>
+          <p:cNvPr id="2" name="Title 1">
+            <a:extLst>
+              <a:ext uri="{FF2B5EF4-FFF2-40B4-BE49-F238E27FC236}">
+                <a16:creationId xmlns:a16="http://schemas.microsoft.com/office/drawing/2014/main" id="{A47C7B9D-A62B-44B5-B5ED-0BEA1AD44E4C}"/>
+              </a:ext>
+            </a:extLst>
+          </p:cNvPr>
+          <p:cNvSpPr>
+            <a:spLocks noGrp="1"/>
+          </p:cNvSpPr>
+          <p:nvPr>
+            <p:ph type="title"/>
+          </p:nvPr>
+        </p:nvSpPr>
+        <p:spPr/>
+        <p:txBody>
+          <a:bodyPr/>
+          <a:lstStyle/>
+          <a:p>
+            <a:r>
+              <a:rPr lang="en-US" b="1" dirty="0"/>
+              <a:t>Agenda</a:t>
+            </a:r>
+          </a:p>
+        </p:txBody>
+      </p:sp>
+      <p:sp>
+        <p:nvSpPr>
+          <p:cNvPr id="3" name="Content Placeholder 2">
+            <a:extLst>
+              <a:ext uri="{FF2B5EF4-FFF2-40B4-BE49-F238E27FC236}">
+                <a16:creationId xmlns:a16="http://schemas.microsoft.com/office/drawing/2014/main" id="{A88B2BFF-F9E3-4EE7-BB8C-62DA29A7F677}"/>
+              </a:ext>
+            </a:extLst>
+          </p:cNvPr>
+          <p:cNvSpPr>
+            <a:spLocks noGrp="1"/>
+          </p:cNvSpPr>
+          <p:nvPr>
+            <p:ph idx="1"/>
+          </p:nvPr>
+        </p:nvSpPr>
+        <p:spPr/>
+        <p:txBody>
+          <a:bodyPr>
+            <a:normAutofit/>
+          </a:bodyPr>
+          <a:lstStyle/>
+          <a:p>
+            <a:r>
+              <a:rPr lang="en-US" dirty="0"/>
+              <a:t>Feature Selection:</a:t>
+            </a:r>
+          </a:p>
+          <a:p>
+            <a:pPr lvl="1"/>
+            <a:r>
+              <a:rPr lang="en-US" dirty="0"/>
+              <a:t>Feature selection and finding additional features to include</a:t>
+            </a:r>
+          </a:p>
+          <a:p>
+            <a:r>
+              <a:rPr lang="en-US" dirty="0"/>
+              <a:t>Evaluation Metrics (Climatology and Conventional Classification)</a:t>
+            </a:r>
+          </a:p>
+          <a:p>
+            <a:r>
+              <a:rPr lang="en-US" dirty="0"/>
+              <a:t>Machine Learning Improvements</a:t>
+            </a:r>
+          </a:p>
+          <a:p>
+            <a:r>
+              <a:rPr lang="en-US" dirty="0"/>
+              <a:t>Economic Loss as a Target Variable</a:t>
+            </a:r>
+          </a:p>
+          <a:p>
+            <a:r>
+              <a:rPr lang="en-US" dirty="0"/>
+              <a:t>Next Steps</a:t>
+            </a:r>
+          </a:p>
+          <a:p>
+            <a:endParaRPr lang="en-US" dirty="0"/>
+          </a:p>
+        </p:txBody>
+      </p:sp>
+    </p:spTree>
+    <p:extLst>
+      <p:ext uri="{BB962C8B-B14F-4D97-AF65-F5344CB8AC3E}">
+        <p14:creationId xmlns:p14="http://schemas.microsoft.com/office/powerpoint/2010/main" val="3706550128"/>
+      </p:ext>
+    </p:extLst>
+  </p:cSld>
+  <p:clrMapOvr>
+    <a:masterClrMapping/>
+  </p:clrMapOvr>
+</p:sld>
+</file>
+
+<file path=ppt/slides/slide3.xml><?xml version="1.0" encoding="utf-8"?>
+<p:sld xmlns:a="http://schemas.openxmlformats.org/drawingml/2006/main" xmlns:r="http://schemas.openxmlformats.org/officeDocument/2006/relationships" xmlns:p="http://schemas.openxmlformats.org/presentationml/2006/main">
+  <p:cSld>
+    <p:spTree>
+      <p:nvGrpSpPr>
+        <p:cNvPr id="1" name=""/>
+        <p:cNvGrpSpPr/>
+        <p:nvPr/>
+      </p:nvGrpSpPr>
+      <p:grpSpPr>
+        <a:xfrm>
+          <a:off x="0" y="0"/>
+          <a:ext cx="0" cy="0"/>
+          <a:chOff x="0" y="0"/>
+          <a:chExt cx="0" cy="0"/>
+        </a:xfrm>
+      </p:grpSpPr>
+      <p:sp>
+        <p:nvSpPr>
+          <p:cNvPr id="2" name="Title 1">
+            <a:extLst>
+              <a:ext uri="{FF2B5EF4-FFF2-40B4-BE49-F238E27FC236}">
+                <a16:creationId xmlns:a16="http://schemas.microsoft.com/office/drawing/2014/main" id="{A47C7B9D-A62B-44B5-B5ED-0BEA1AD44E4C}"/>
+              </a:ext>
+            </a:extLst>
+          </p:cNvPr>
+          <p:cNvSpPr>
+            <a:spLocks noGrp="1"/>
+          </p:cNvSpPr>
+          <p:nvPr>
+            <p:ph type="title"/>
+          </p:nvPr>
+        </p:nvSpPr>
+        <p:spPr/>
+        <p:txBody>
+          <a:bodyPr/>
+          <a:lstStyle/>
+          <a:p>
+            <a:r>
+              <a:rPr lang="en-US" b="1" dirty="0"/>
+              <a:t>Original Feature Set</a:t>
+            </a:r>
+          </a:p>
+        </p:txBody>
+      </p:sp>
+      <p:sp>
+        <p:nvSpPr>
+          <p:cNvPr id="3" name="Content Placeholder 2">
+            <a:extLst>
+              <a:ext uri="{FF2B5EF4-FFF2-40B4-BE49-F238E27FC236}">
+                <a16:creationId xmlns:a16="http://schemas.microsoft.com/office/drawing/2014/main" id="{A88B2BFF-F9E3-4EE7-BB8C-62DA29A7F677}"/>
+              </a:ext>
+            </a:extLst>
+          </p:cNvPr>
+          <p:cNvSpPr>
+            <a:spLocks noGrp="1"/>
+          </p:cNvSpPr>
+          <p:nvPr>
+            <p:ph idx="1"/>
+          </p:nvPr>
+        </p:nvSpPr>
+        <p:spPr/>
+        <p:txBody>
+          <a:bodyPr>
+            <a:normAutofit fontScale="85000" lnSpcReduction="10000"/>
+          </a:bodyPr>
+          <a:lstStyle/>
+          <a:p>
+            <a:r>
+              <a:rPr lang="en-US"/>
+              <a:t>‘</a:t>
+            </a:r>
+            <a:r>
+              <a:rPr lang="en-US" b="1"/>
+              <a:t>PER</a:t>
+            </a:r>
+            <a:r>
+              <a:rPr lang="en-US"/>
+              <a:t>’: TC intensity change in previous 12-h, unit in knot </a:t>
+            </a:r>
+          </a:p>
+          <a:p>
+            <a:r>
+              <a:rPr lang="en-US"/>
+              <a:t>‘</a:t>
+            </a:r>
+            <a:r>
+              <a:rPr lang="en-US" b="1"/>
+              <a:t>SHRD</a:t>
+            </a:r>
+            <a:r>
+              <a:rPr lang="en-US"/>
+              <a:t>’: 850-200 hPa vertical shear within a 500-km radius after vortex removal </a:t>
+            </a:r>
+          </a:p>
+          <a:p>
+            <a:r>
+              <a:rPr lang="en-US"/>
+              <a:t>‘</a:t>
+            </a:r>
+            <a:r>
+              <a:rPr lang="en-US" b="1"/>
+              <a:t>D200</a:t>
+            </a:r>
+            <a:r>
+              <a:rPr lang="en-US"/>
+              <a:t>’: 200 hPa divergence within a 1000-km radius</a:t>
+            </a:r>
+          </a:p>
+          <a:p>
+            <a:r>
+              <a:rPr lang="en-US"/>
+              <a:t>‘</a:t>
+            </a:r>
+            <a:r>
+              <a:rPr lang="en-US" b="1"/>
+              <a:t>TPW</a:t>
+            </a:r>
+            <a:r>
+              <a:rPr lang="en-US"/>
+              <a:t>’: Total precipitable water less than 45 mm, r=0 to 500 km in 90 deg azimuthal quadrant centered on up-shear direction </a:t>
+            </a:r>
+          </a:p>
+          <a:p>
+            <a:r>
+              <a:rPr lang="en-US"/>
+              <a:t>‘</a:t>
+            </a:r>
+            <a:r>
+              <a:rPr lang="en-US" b="1"/>
+              <a:t>PC2</a:t>
+            </a:r>
+            <a:r>
+              <a:rPr lang="en-US"/>
+              <a:t>’: Second principal component of GOES-IR imagery within a 440-km radius </a:t>
+            </a:r>
+          </a:p>
+          <a:p>
+            <a:r>
+              <a:rPr lang="en-US"/>
+              <a:t>‘</a:t>
+            </a:r>
+            <a:r>
+              <a:rPr lang="en-US" b="1"/>
+              <a:t>SDBT</a:t>
+            </a:r>
+            <a:r>
+              <a:rPr lang="en-US"/>
+              <a:t>’: Standard deviation of GOES-IR brightness temperature within 200 km radius </a:t>
+            </a:r>
+          </a:p>
+          <a:p>
+            <a:r>
+              <a:rPr lang="en-US"/>
+              <a:t>‘</a:t>
+            </a:r>
+            <a:r>
+              <a:rPr lang="en-US" b="1"/>
+              <a:t>POT</a:t>
+            </a:r>
+            <a:r>
+              <a:rPr lang="en-US"/>
+              <a:t>’: Potential intensity (current intensity – max potential intensity) </a:t>
+            </a:r>
+          </a:p>
+          <a:p>
+            <a:r>
+              <a:rPr lang="en-US"/>
+              <a:t>‘</a:t>
+            </a:r>
+            <a:r>
+              <a:rPr lang="en-US" b="1"/>
+              <a:t>OHC</a:t>
+            </a:r>
+            <a:r>
+              <a:rPr lang="en-US"/>
+              <a:t>’: Oceanic heat content </a:t>
+            </a:r>
+          </a:p>
+          <a:p>
+            <a:r>
+              <a:rPr lang="en-US"/>
+              <a:t>‘</a:t>
+            </a:r>
+            <a:r>
+              <a:rPr lang="en-US" b="1"/>
+              <a:t>VMX0</a:t>
+            </a:r>
+            <a:r>
+              <a:rPr lang="en-US"/>
+              <a:t>’: Max sustained wind at t=0h, unit in knot</a:t>
+            </a:r>
+          </a:p>
+          <a:p>
+            <a:endParaRPr lang="en-US" dirty="0"/>
+          </a:p>
+        </p:txBody>
+      </p:sp>
+    </p:spTree>
+    <p:extLst>
+      <p:ext uri="{BB962C8B-B14F-4D97-AF65-F5344CB8AC3E}">
+        <p14:creationId xmlns:p14="http://schemas.microsoft.com/office/powerpoint/2010/main" val="933211645"/>
+      </p:ext>
+    </p:extLst>
+  </p:cSld>
+  <p:clrMapOvr>
+    <a:masterClrMapping/>
+  </p:clrMapOvr>
+</p:sld>
+</file>
+
+<file path=ppt/slides/slide4.xml><?xml version="1.0" encoding="utf-8"?>
+<p:sld xmlns:a="http://schemas.openxmlformats.org/drawingml/2006/main" xmlns:r="http://schemas.openxmlformats.org/officeDocument/2006/relationships" xmlns:p="http://schemas.openxmlformats.org/presentationml/2006/main">
+  <p:cSld>
+    <p:spTree>
+      <p:nvGrpSpPr>
+        <p:cNvPr id="1" name=""/>
+        <p:cNvGrpSpPr/>
+        <p:nvPr/>
+      </p:nvGrpSpPr>
+      <p:grpSpPr>
+        <a:xfrm>
+          <a:off x="0" y="0"/>
+          <a:ext cx="0" cy="0"/>
+          <a:chOff x="0" y="0"/>
+          <a:chExt cx="0" cy="0"/>
+        </a:xfrm>
+      </p:grpSpPr>
+      <p:sp>
+        <p:nvSpPr>
+          <p:cNvPr id="2" name="Title 1">
+            <a:extLst>
+              <a:ext uri="{FF2B5EF4-FFF2-40B4-BE49-F238E27FC236}">
+                <a16:creationId xmlns:a16="http://schemas.microsoft.com/office/drawing/2014/main" id="{DA56B1CC-39DF-4061-B966-A3D66E1819C6}"/>
+              </a:ext>
+            </a:extLst>
+          </p:cNvPr>
+          <p:cNvSpPr>
+            <a:spLocks noGrp="1"/>
+          </p:cNvSpPr>
+          <p:nvPr>
+            <p:ph type="title"/>
+          </p:nvPr>
+        </p:nvSpPr>
+        <p:spPr/>
+        <p:txBody>
+          <a:bodyPr/>
+          <a:lstStyle/>
+          <a:p>
+            <a:r>
+              <a:rPr lang="en-US" b="1" dirty="0"/>
+              <a:t>Finding the Most Relevant Feature set</a:t>
+            </a:r>
+          </a:p>
+        </p:txBody>
+      </p:sp>
+      <p:sp>
+        <p:nvSpPr>
+          <p:cNvPr id="3" name="Content Placeholder 2">
+            <a:extLst>
+              <a:ext uri="{FF2B5EF4-FFF2-40B4-BE49-F238E27FC236}">
+                <a16:creationId xmlns:a16="http://schemas.microsoft.com/office/drawing/2014/main" id="{F62A0E70-E06C-4CD7-B8C4-4C5B531E5984}"/>
+              </a:ext>
+            </a:extLst>
+          </p:cNvPr>
+          <p:cNvSpPr>
+            <a:spLocks noGrp="1"/>
+          </p:cNvSpPr>
+          <p:nvPr>
+            <p:ph idx="1"/>
+          </p:nvPr>
+        </p:nvSpPr>
+        <p:spPr/>
+        <p:txBody>
+          <a:bodyPr/>
+          <a:lstStyle/>
+          <a:p>
+            <a:r>
+              <a:rPr lang="en-US"/>
+              <a:t>Through our feature selection methods, out of the 9 original these 4 were marked as most important:</a:t>
+            </a:r>
+          </a:p>
+          <a:p>
+            <a:pPr lvl="1"/>
+            <a:r>
+              <a:rPr lang="en-US" b="1"/>
+              <a:t>POT</a:t>
+            </a:r>
+            <a:r>
+              <a:rPr lang="en-US" dirty="0"/>
+              <a:t>: Potential intensity (current intensity – max potential intensity) </a:t>
+            </a:r>
+          </a:p>
+          <a:p>
+            <a:pPr lvl="1"/>
+            <a:r>
+              <a:rPr lang="en-US" b="1" dirty="0"/>
+              <a:t>PER</a:t>
+            </a:r>
+            <a:r>
+              <a:rPr lang="en-US" dirty="0"/>
+              <a:t>: TC intensity change in previous 12-h, unit in knot </a:t>
+            </a:r>
+          </a:p>
+          <a:p>
+            <a:pPr lvl="1"/>
+            <a:r>
+              <a:rPr lang="en-US" b="1" dirty="0"/>
+              <a:t>SHRD</a:t>
+            </a:r>
+            <a:r>
+              <a:rPr lang="en-US" dirty="0"/>
+              <a:t>: 850-200 hPa vertical shear within a 500-km radius after vortex removal </a:t>
+            </a:r>
+          </a:p>
+          <a:p>
+            <a:pPr lvl="1"/>
+            <a:r>
+              <a:rPr lang="en-US" b="1" dirty="0"/>
+              <a:t>OHC</a:t>
+            </a:r>
+            <a:r>
+              <a:rPr lang="en-US" dirty="0"/>
+              <a:t>: Oceanic heat content </a:t>
+            </a:r>
+          </a:p>
+        </p:txBody>
+      </p:sp>
+    </p:spTree>
+    <p:extLst>
+      <p:ext uri="{BB962C8B-B14F-4D97-AF65-F5344CB8AC3E}">
+        <p14:creationId xmlns:p14="http://schemas.microsoft.com/office/powerpoint/2010/main" val="3243598429"/>
+      </p:ext>
+    </p:extLst>
+  </p:cSld>
+  <p:clrMapOvr>
+    <a:masterClrMapping/>
+  </p:clrMapOvr>
+</p:sld>
+</file>
+
+<file path=ppt/slides/slide5.xml><?xml version="1.0" encoding="utf-8"?>
+<p:sld xmlns:a="http://schemas.openxmlformats.org/drawingml/2006/main" xmlns:r="http://schemas.openxmlformats.org/officeDocument/2006/relationships" xmlns:p="http://schemas.openxmlformats.org/presentationml/2006/main">
+  <p:cSld>
+    <p:spTree>
+      <p:nvGrpSpPr>
+        <p:cNvPr id="1" name=""/>
+        <p:cNvGrpSpPr/>
+        <p:nvPr/>
+      </p:nvGrpSpPr>
+      <p:grpSpPr>
+        <a:xfrm>
+          <a:off x="0" y="0"/>
+          <a:ext cx="0" cy="0"/>
+          <a:chOff x="0" y="0"/>
+          <a:chExt cx="0" cy="0"/>
+        </a:xfrm>
+      </p:grpSpPr>
+      <p:sp>
+        <p:nvSpPr>
+          <p:cNvPr id="2" name="Title 1">
+            <a:extLst>
+              <a:ext uri="{FF2B5EF4-FFF2-40B4-BE49-F238E27FC236}">
+                <a16:creationId xmlns:a16="http://schemas.microsoft.com/office/drawing/2014/main" id="{933D4A96-CCC2-4BEE-B1D3-7508019E338B}"/>
+              </a:ext>
+            </a:extLst>
+          </p:cNvPr>
+          <p:cNvSpPr>
+            <a:spLocks noGrp="1"/>
+          </p:cNvSpPr>
+          <p:nvPr>
+            <p:ph type="title"/>
+          </p:nvPr>
+        </p:nvSpPr>
+        <p:spPr/>
+        <p:txBody>
+          <a:bodyPr/>
+          <a:lstStyle/>
+          <a:p>
+            <a:r>
+              <a:rPr lang="en-US" b="1" dirty="0"/>
+              <a:t>Additional Features to be considered</a:t>
+            </a:r>
+          </a:p>
+        </p:txBody>
+      </p:sp>
+      <p:sp>
+        <p:nvSpPr>
+          <p:cNvPr id="3" name="Content Placeholder 2">
+            <a:extLst>
+              <a:ext uri="{FF2B5EF4-FFF2-40B4-BE49-F238E27FC236}">
+                <a16:creationId xmlns:a16="http://schemas.microsoft.com/office/drawing/2014/main" id="{91E72F98-3B49-4B26-9191-5FEBE4DFA6A8}"/>
+              </a:ext>
+            </a:extLst>
+          </p:cNvPr>
+          <p:cNvSpPr>
+            <a:spLocks noGrp="1"/>
+          </p:cNvSpPr>
+          <p:nvPr>
+            <p:ph idx="1"/>
+          </p:nvPr>
+        </p:nvSpPr>
+        <p:spPr/>
+        <p:txBody>
+          <a:bodyPr>
+            <a:normAutofit/>
+          </a:bodyPr>
+          <a:lstStyle/>
+          <a:p>
+            <a:pPr marL="0" indent="0">
+              <a:buNone/>
+            </a:pPr>
+            <a:r>
+              <a:rPr lang="en-US" sz="2400" b="1" dirty="0"/>
+              <a:t>U200</a:t>
+            </a:r>
+            <a:r>
+              <a:rPr lang="en-US" sz="2400" dirty="0"/>
+              <a:t>: 200 hPa zonal wind </a:t>
+            </a:r>
+          </a:p>
+          <a:p>
+            <a:pPr marL="0" indent="0" algn="l" rtl="0" fontAlgn="base">
+              <a:buNone/>
+            </a:pPr>
+            <a:r>
+              <a:rPr lang="en-US" sz="2400" b="1" i="0" dirty="0">
+                <a:effectLst/>
+              </a:rPr>
+              <a:t>City and Country</a:t>
+            </a:r>
+            <a:r>
+              <a:rPr lang="en-US" sz="2400" b="0" i="0" dirty="0">
+                <a:effectLst/>
+              </a:rPr>
+              <a:t> (via LAT and LON coordinates) </a:t>
+            </a:r>
+          </a:p>
+          <a:p>
+            <a:pPr lvl="1" fontAlgn="base"/>
+            <a:r>
+              <a:rPr lang="en-US" b="0" i="0" dirty="0">
+                <a:effectLst/>
+              </a:rPr>
+              <a:t>We could use the LAT and LON coordinates in the dataset to geocode the location. Perhaps high hurricane intensity is prone in certain regions. </a:t>
+            </a:r>
+          </a:p>
+          <a:p>
+            <a:endParaRPr lang="en-US" sz="2400" dirty="0"/>
+          </a:p>
+        </p:txBody>
+      </p:sp>
+    </p:spTree>
+    <p:extLst>
+      <p:ext uri="{BB962C8B-B14F-4D97-AF65-F5344CB8AC3E}">
+        <p14:creationId xmlns:p14="http://schemas.microsoft.com/office/powerpoint/2010/main" val="336714327"/>
+      </p:ext>
+    </p:extLst>
+  </p:cSld>
+  <p:clrMapOvr>
+    <a:masterClrMapping/>
+  </p:clrMapOvr>
+</p:sld>
+</file>
+
+<file path=ppt/slides/slide6.xml><?xml version="1.0" encoding="utf-8"?>
+<p:sld xmlns:a="http://schemas.openxmlformats.org/drawingml/2006/main" xmlns:r="http://schemas.openxmlformats.org/officeDocument/2006/relationships" xmlns:p="http://schemas.openxmlformats.org/presentationml/2006/main">
+  <p:cSld>
+    <p:spTree>
+      <p:nvGrpSpPr>
+        <p:cNvPr id="1" name=""/>
+        <p:cNvGrpSpPr/>
+        <p:nvPr/>
+      </p:nvGrpSpPr>
+      <p:grpSpPr>
+        <a:xfrm>
+          <a:off x="0" y="0"/>
+          <a:ext cx="0" cy="0"/>
+          <a:chOff x="0" y="0"/>
+          <a:chExt cx="0" cy="0"/>
+        </a:xfrm>
+      </p:grpSpPr>
+      <p:sp>
+        <p:nvSpPr>
+          <p:cNvPr id="9" name="TextBox 8">
+            <a:extLst>
+              <a:ext uri="{FF2B5EF4-FFF2-40B4-BE49-F238E27FC236}">
+                <a16:creationId xmlns:a16="http://schemas.microsoft.com/office/drawing/2014/main" id="{CD6E6E5A-385A-4F16-998C-7887AAED4391}"/>
+              </a:ext>
+            </a:extLst>
+          </p:cNvPr>
+          <p:cNvSpPr txBox="1"/>
+          <p:nvPr/>
+        </p:nvSpPr>
+        <p:spPr>
+          <a:xfrm>
+            <a:off x="1647825" y="4191000"/>
+            <a:ext cx="4686300" cy="1754326"/>
+          </a:xfrm>
+          <a:prstGeom prst="rect">
+            <a:avLst/>
+          </a:prstGeom>
+          <a:noFill/>
+        </p:spPr>
+        <p:txBody>
+          <a:bodyPr wrap="square" rtlCol="0">
+            <a:spAutoFit/>
+          </a:bodyPr>
+          <a:lstStyle/>
+          <a:p>
+            <a:r>
+              <a:rPr lang="en-US" dirty="0"/>
+              <a:t>Top 5 variables:</a:t>
+            </a:r>
+          </a:p>
+          <a:p>
+            <a:pPr marL="342900" indent="-342900">
+              <a:buAutoNum type="arabicPeriod"/>
+            </a:pPr>
+            <a:r>
+              <a:rPr lang="en-US" dirty="0"/>
+              <a:t>LAT</a:t>
+            </a:r>
+          </a:p>
+          <a:p>
+            <a:pPr marL="342900" indent="-342900">
+              <a:buAutoNum type="arabicPeriod"/>
+            </a:pPr>
+            <a:r>
+              <a:rPr lang="en-US" dirty="0"/>
+              <a:t> POT</a:t>
+            </a:r>
+          </a:p>
+          <a:p>
+            <a:pPr marL="342900" indent="-342900">
+              <a:buAutoNum type="arabicPeriod"/>
+            </a:pPr>
+            <a:r>
+              <a:rPr lang="en-US" dirty="0"/>
+              <a:t>PER</a:t>
+            </a:r>
+          </a:p>
+          <a:p>
+            <a:pPr marL="342900" indent="-342900">
+              <a:buAutoNum type="arabicPeriod"/>
+            </a:pPr>
+            <a:r>
+              <a:rPr lang="en-US" dirty="0"/>
+              <a:t>YEAR</a:t>
+            </a:r>
+          </a:p>
+          <a:p>
+            <a:pPr marL="342900" indent="-342900">
+              <a:buAutoNum type="arabicPeriod"/>
+            </a:pPr>
+            <a:r>
+              <a:rPr lang="en-US" dirty="0"/>
+              <a:t>MSLP</a:t>
+            </a:r>
+          </a:p>
+        </p:txBody>
+      </p:sp>
+      <p:pic>
+        <p:nvPicPr>
+          <p:cNvPr id="13" name="Picture 12">
+            <a:extLst>
+              <a:ext uri="{FF2B5EF4-FFF2-40B4-BE49-F238E27FC236}">
+                <a16:creationId xmlns:a16="http://schemas.microsoft.com/office/drawing/2014/main" id="{7D9B157E-F135-4FCA-A146-7DA6533C8387}"/>
+              </a:ext>
+            </a:extLst>
+          </p:cNvPr>
+          <p:cNvPicPr>
+            <a:picLocks noChangeAspect="1"/>
+          </p:cNvPicPr>
+          <p:nvPr/>
+        </p:nvPicPr>
+        <p:blipFill>
+          <a:blip r:embed="rId2"/>
+          <a:stretch>
+            <a:fillRect/>
+          </a:stretch>
+        </p:blipFill>
+        <p:spPr>
+          <a:xfrm>
+            <a:off x="919162" y="690562"/>
+            <a:ext cx="8810625" cy="3000375"/>
+          </a:xfrm>
+          <a:prstGeom prst="rect">
+            <a:avLst/>
+          </a:prstGeom>
+        </p:spPr>
+      </p:pic>
+    </p:spTree>
+    <p:extLst>
+      <p:ext uri="{BB962C8B-B14F-4D97-AF65-F5344CB8AC3E}">
+        <p14:creationId xmlns:p14="http://schemas.microsoft.com/office/powerpoint/2010/main" val="3000371790"/>
+      </p:ext>
+    </p:extLst>
+  </p:cSld>
+  <p:clrMapOvr>
+    <a:masterClrMapping/>
+  </p:clrMapOvr>
+</p:sld>
+</file>
+
+<file path=ppt/slides/slide7.xml><?xml version="1.0" encoding="utf-8"?>
+<p:sld xmlns:a="http://schemas.openxmlformats.org/drawingml/2006/main" xmlns:r="http://schemas.openxmlformats.org/officeDocument/2006/relationships" xmlns:p="http://schemas.openxmlformats.org/presentationml/2006/main">
+  <p:cSld>
+    <p:spTree>
+      <p:nvGrpSpPr>
+        <p:cNvPr id="1" name=""/>
+        <p:cNvGrpSpPr/>
+        <p:nvPr/>
+      </p:nvGrpSpPr>
+      <p:grpSpPr>
+        <a:xfrm>
+          <a:off x="0" y="0"/>
+          <a:ext cx="0" cy="0"/>
+          <a:chOff x="0" y="0"/>
+          <a:chExt cx="0" cy="0"/>
+        </a:xfrm>
+      </p:grpSpPr>
+      <p:pic>
+        <p:nvPicPr>
+          <p:cNvPr id="5" name="Picture 4">
+            <a:extLst>
+              <a:ext uri="{FF2B5EF4-FFF2-40B4-BE49-F238E27FC236}">
+                <a16:creationId xmlns:a16="http://schemas.microsoft.com/office/drawing/2014/main" id="{1894CB51-2DB5-4235-8F06-C10B8C779F6C}"/>
+              </a:ext>
+            </a:extLst>
+          </p:cNvPr>
+          <p:cNvPicPr>
+            <a:picLocks noChangeAspect="1"/>
+          </p:cNvPicPr>
+          <p:nvPr/>
+        </p:nvPicPr>
+        <p:blipFill>
+          <a:blip r:embed="rId2"/>
+          <a:stretch>
+            <a:fillRect/>
+          </a:stretch>
+        </p:blipFill>
+        <p:spPr>
+          <a:xfrm>
+            <a:off x="552450" y="1095375"/>
+            <a:ext cx="10668000" cy="1491226"/>
+          </a:xfrm>
+          <a:prstGeom prst="rect">
+            <a:avLst/>
+          </a:prstGeom>
+        </p:spPr>
+      </p:pic>
+    </p:spTree>
+    <p:extLst>
+      <p:ext uri="{BB962C8B-B14F-4D97-AF65-F5344CB8AC3E}">
+        <p14:creationId xmlns:p14="http://schemas.microsoft.com/office/powerpoint/2010/main" val="3207677069"/>
+      </p:ext>
+    </p:extLst>
+  </p:cSld>
+  <p:clrMapOvr>
+    <a:masterClrMapping/>
+  </p:clrMapOvr>
+</p:sld>
+</file>
+
+<file path=ppt/slides/slide8.xml><?xml version="1.0" encoding="utf-8"?>
+<p:sld xmlns:a="http://schemas.openxmlformats.org/drawingml/2006/main" xmlns:r="http://schemas.openxmlformats.org/officeDocument/2006/relationships" xmlns:p="http://schemas.openxmlformats.org/presentationml/2006/main">
+  <p:cSld>
+    <p:spTree>
+      <p:nvGrpSpPr>
+        <p:cNvPr id="1" name=""/>
+        <p:cNvGrpSpPr/>
+        <p:nvPr/>
+      </p:nvGrpSpPr>
+      <p:grpSpPr>
+        <a:xfrm>
+          <a:off x="0" y="0"/>
+          <a:ext cx="0" cy="0"/>
+          <a:chOff x="0" y="0"/>
+          <a:chExt cx="0" cy="0"/>
+        </a:xfrm>
+      </p:grpSpPr>
+      <p:pic>
+        <p:nvPicPr>
+          <p:cNvPr id="7" name="Picture 6">
+            <a:extLst>
+              <a:ext uri="{FF2B5EF4-FFF2-40B4-BE49-F238E27FC236}">
+                <a16:creationId xmlns:a16="http://schemas.microsoft.com/office/drawing/2014/main" id="{2B7E5D08-1D81-4836-B15F-5C911A1A9C29}"/>
+              </a:ext>
+            </a:extLst>
+          </p:cNvPr>
+          <p:cNvPicPr>
+            <a:picLocks noChangeAspect="1"/>
+          </p:cNvPicPr>
+          <p:nvPr/>
+        </p:nvPicPr>
+        <p:blipFill>
+          <a:blip r:embed="rId2"/>
+          <a:stretch>
+            <a:fillRect/>
+          </a:stretch>
+        </p:blipFill>
+        <p:spPr>
+          <a:xfrm>
+            <a:off x="0" y="425640"/>
+            <a:ext cx="12192000" cy="5149470"/>
+          </a:xfrm>
+          <a:prstGeom prst="rect">
+            <a:avLst/>
+          </a:prstGeom>
+        </p:spPr>
+      </p:pic>
+    </p:spTree>
+    <p:extLst>
+      <p:ext uri="{BB962C8B-B14F-4D97-AF65-F5344CB8AC3E}">
+        <p14:creationId xmlns:p14="http://schemas.microsoft.com/office/powerpoint/2010/main" val="2125690785"/>
+      </p:ext>
+    </p:extLst>
+  </p:cSld>
+  <p:clrMapOvr>
+    <a:masterClrMapping/>
+  </p:clrMapOvr>
+</p:sld>
+</file>
+
+<file path=ppt/slides/slide9.xml><?xml version="1.0" encoding="utf-8"?>
+<p:sld xmlns:a="http://schemas.openxmlformats.org/drawingml/2006/main" xmlns:r="http://schemas.openxmlformats.org/officeDocument/2006/relationships" xmlns:p="http://schemas.openxmlformats.org/presentationml/2006/main">
+  <p:cSld>
+    <p:spTree>
+      <p:nvGrpSpPr>
+        <p:cNvPr id="1" name=""/>
+        <p:cNvGrpSpPr/>
+        <p:nvPr/>
+      </p:nvGrpSpPr>
+      <p:grpSpPr>
+        <a:xfrm>
+          <a:off x="0" y="0"/>
+          <a:ext cx="0" cy="0"/>
+          <a:chOff x="0" y="0"/>
+          <a:chExt cx="0" cy="0"/>
+        </a:xfrm>
+      </p:grpSpPr>
+      <p:sp>
+        <p:nvSpPr>
+          <p:cNvPr id="2" name="Title 1">
+            <a:extLst>
+              <a:ext uri="{FF2B5EF4-FFF2-40B4-BE49-F238E27FC236}">
+                <a16:creationId xmlns:a16="http://schemas.microsoft.com/office/drawing/2014/main" id="{D6C5421D-C069-411D-8D71-3316B32DB442}"/>
+              </a:ext>
+            </a:extLst>
+          </p:cNvPr>
+          <p:cNvSpPr>
+            <a:spLocks noGrp="1"/>
+          </p:cNvSpPr>
+          <p:nvPr>
+            <p:ph type="title"/>
+          </p:nvPr>
+        </p:nvSpPr>
+        <p:spPr/>
+        <p:txBody>
+          <a:bodyPr/>
+          <a:lstStyle/>
+          <a:p>
+            <a:r>
+              <a:rPr lang="en-US" dirty="0"/>
+              <a:t>Possible Features to Add</a:t>
+            </a:r>
+          </a:p>
+        </p:txBody>
+      </p:sp>
+      <p:sp>
+        <p:nvSpPr>
+          <p:cNvPr id="3" name="Content Placeholder 2">
+            <a:extLst>
+              <a:ext uri="{FF2B5EF4-FFF2-40B4-BE49-F238E27FC236}">
+                <a16:creationId xmlns:a16="http://schemas.microsoft.com/office/drawing/2014/main" id="{C4A64CCD-9E30-4847-8C9F-7618C2844C65}"/>
+              </a:ext>
+            </a:extLst>
+          </p:cNvPr>
+          <p:cNvSpPr>
+            <a:spLocks noGrp="1"/>
+          </p:cNvSpPr>
+          <p:nvPr>
+            <p:ph idx="1"/>
+          </p:nvPr>
+        </p:nvSpPr>
+        <p:spPr/>
+        <p:txBody>
+          <a:bodyPr>
+            <a:normAutofit fontScale="70000" lnSpcReduction="20000"/>
+          </a:bodyPr>
+          <a:lstStyle/>
+          <a:p>
+            <a:r>
+              <a:rPr lang="en-US" dirty="0"/>
+              <a:t> Predicting </a:t>
+            </a:r>
+            <a:r>
+              <a:rPr lang="en-US" dirty="0" err="1"/>
+              <a:t>Ecoomic</a:t>
+            </a:r>
+            <a:r>
+              <a:rPr lang="en-US" dirty="0"/>
+              <a:t> Loss</a:t>
+            </a:r>
+          </a:p>
+          <a:p>
+            <a:pPr marL="914400" lvl="1" indent="-457200">
+              <a:buFont typeface="+mj-lt"/>
+              <a:buAutoNum type="arabicPeriod"/>
+            </a:pPr>
+            <a:r>
+              <a:rPr lang="en-US" dirty="0"/>
+              <a:t>GDP - Federal Reserve uses real GDP and other related economic indicators to adjust monetary policy. </a:t>
+            </a:r>
+          </a:p>
+          <a:p>
+            <a:pPr marL="914400" lvl="1" indent="-457200">
+              <a:buFont typeface="+mj-lt"/>
+              <a:buAutoNum type="arabicPeriod"/>
+            </a:pPr>
+            <a:r>
+              <a:rPr lang="en-US" dirty="0"/>
+              <a:t> Money Supply -  Economists and others also use M2 data to predict cyclical economic recessions and recoveries and expected changes in stock prices and also expected changes in the Fed's monetary policy. </a:t>
+            </a:r>
+          </a:p>
+          <a:p>
+            <a:pPr marL="914400" lvl="1" indent="-457200">
+              <a:buFont typeface="+mj-lt"/>
+              <a:buAutoNum type="arabicPeriod"/>
+            </a:pPr>
+            <a:r>
+              <a:rPr lang="en-US" dirty="0"/>
+              <a:t> Consumer Price Index -  This statistic is the best indicator of inflation that we must rely on. Changes in inflation can spur the Fed to take action to change its monetary policy. </a:t>
+            </a:r>
+          </a:p>
+          <a:p>
+            <a:pPr marL="914400" lvl="1" indent="-457200">
+              <a:buFont typeface="+mj-lt"/>
+              <a:buAutoNum type="arabicPeriod"/>
+            </a:pPr>
+            <a:r>
+              <a:rPr lang="en-US" dirty="0"/>
+              <a:t> Current Employee Statistics - This is the earliest indicator of economic trends released each month. </a:t>
+            </a:r>
+          </a:p>
+          <a:p>
+            <a:pPr marL="914400" lvl="1" indent="-457200">
+              <a:buFont typeface="+mj-lt"/>
+              <a:buAutoNum type="arabicPeriod"/>
+            </a:pPr>
+            <a:r>
+              <a:rPr lang="en-US" dirty="0"/>
+              <a:t> S&amp;P 500 - The index is designed to measure changes in the stock prices of component companies. It is used as a measure of the nation's stock of capital, as well as a gauge of future business and consumer confidence levels. Growth of the S&amp;P 500 index can translate into growth of business investment. It can also be a clue to higher future consumer spending. A declining S&amp;P 500 index can signal a tightening of belts for both businesses and consumers.  </a:t>
+            </a:r>
+          </a:p>
+          <a:p>
+            <a:pPr marL="914400" lvl="1" indent="-457200">
+              <a:buFont typeface="+mj-lt"/>
+              <a:buAutoNum type="arabicPeriod"/>
+            </a:pPr>
+            <a:r>
+              <a:rPr lang="en-US" dirty="0"/>
+              <a:t>Population – High economic loss could be associated with high population density?</a:t>
+            </a:r>
+          </a:p>
+          <a:p>
+            <a:pPr marL="514350" indent="-514350">
+              <a:buFont typeface="+mj-lt"/>
+              <a:buAutoNum type="arabicPeriod"/>
+            </a:pPr>
+            <a:endParaRPr lang="en-US" sz="3400" dirty="0"/>
+          </a:p>
+          <a:p>
+            <a:r>
+              <a:rPr lang="en-US" sz="3400" dirty="0"/>
+              <a:t>Predicting Hurricane Intensity Forecast </a:t>
+            </a:r>
+          </a:p>
+          <a:p>
+            <a:pPr marL="971550" lvl="1" indent="-514350">
+              <a:buFont typeface="+mj-lt"/>
+              <a:buAutoNum type="arabicPeriod"/>
+            </a:pPr>
+            <a:r>
+              <a:rPr lang="en-US" sz="2600" dirty="0"/>
+              <a:t> City and Country – </a:t>
+            </a:r>
+            <a:r>
+              <a:rPr lang="en-US" sz="2000" b="0" i="0" dirty="0">
+                <a:solidFill>
+                  <a:srgbClr val="444444"/>
+                </a:solidFill>
+                <a:effectLst/>
+                <a:latin typeface="Calibri" panose="020F0502020204030204" pitchFamily="34" charset="0"/>
+              </a:rPr>
+              <a:t>We could use the LAT and LON coordinates in the dataset to geocode the location. Perhaps high hurricane intensity is prone in certain regions </a:t>
+            </a:r>
+          </a:p>
+          <a:p>
+            <a:pPr marL="971550" lvl="1" indent="-514350">
+              <a:buFont typeface="+mj-lt"/>
+              <a:buAutoNum type="arabicPeriod"/>
+            </a:pPr>
+            <a:r>
+              <a:rPr lang="en-US" sz="2600" dirty="0"/>
+              <a:t> Rainfall of the region- High hurricane Intensity could be associated with heavy rainfall in the region</a:t>
+            </a:r>
+          </a:p>
+        </p:txBody>
+      </p:sp>
+    </p:spTree>
+    <p:extLst>
+      <p:ext uri="{BB962C8B-B14F-4D97-AF65-F5344CB8AC3E}">
+        <p14:creationId xmlns:p14="http://schemas.microsoft.com/office/powerpoint/2010/main" val="1288153737"/>
       </p:ext>
     </p:extLst>
   </p:cSld>
